--- a/E-COMMERCE ANALYSIS.pptx
+++ b/E-COMMERCE ANALYSIS.pptx
@@ -7,15 +7,17 @@
   <p:sldIdLst>
     <p:sldId id="256" r:id="rId2"/>
     <p:sldId id="258" r:id="rId3"/>
-    <p:sldId id="259" r:id="rId4"/>
-    <p:sldId id="265" r:id="rId5"/>
-    <p:sldId id="257" r:id="rId6"/>
-    <p:sldId id="264" r:id="rId7"/>
-    <p:sldId id="261" r:id="rId8"/>
-    <p:sldId id="262" r:id="rId9"/>
-    <p:sldId id="263" r:id="rId10"/>
-    <p:sldId id="266" r:id="rId11"/>
-    <p:sldId id="260" r:id="rId12"/>
+    <p:sldId id="267" r:id="rId4"/>
+    <p:sldId id="268" r:id="rId5"/>
+    <p:sldId id="259" r:id="rId6"/>
+    <p:sldId id="265" r:id="rId7"/>
+    <p:sldId id="257" r:id="rId8"/>
+    <p:sldId id="264" r:id="rId9"/>
+    <p:sldId id="261" r:id="rId10"/>
+    <p:sldId id="262" r:id="rId11"/>
+    <p:sldId id="263" r:id="rId12"/>
+    <p:sldId id="266" r:id="rId13"/>
+    <p:sldId id="260" r:id="rId14"/>
   </p:sldIdLst>
   <p:sldSz cx="12192000" cy="6858000"/>
   <p:notesSz cx="6858000" cy="9144000"/>
@@ -5279,7 +5281,7 @@
           <a:p>
             <a:fld id="{41375B53-D0B4-4444-B0F7-A99E07105146}" type="datetimeFigureOut">
               <a:rPr lang="en-IN" smtClean="0"/>
-              <a:t>06-03-2024</a:t>
+              <a:t>07-03-2024</a:t>
             </a:fld>
             <a:endParaRPr lang="en-IN"/>
           </a:p>
@@ -5554,7 +5556,7 @@
           <a:p>
             <a:fld id="{41375B53-D0B4-4444-B0F7-A99E07105146}" type="datetimeFigureOut">
               <a:rPr lang="en-IN" smtClean="0"/>
-              <a:t>06-03-2024</a:t>
+              <a:t>07-03-2024</a:t>
             </a:fld>
             <a:endParaRPr lang="en-IN"/>
           </a:p>
@@ -5748,7 +5750,7 @@
           <a:p>
             <a:fld id="{41375B53-D0B4-4444-B0F7-A99E07105146}" type="datetimeFigureOut">
               <a:rPr lang="en-IN" smtClean="0"/>
-              <a:t>06-03-2024</a:t>
+              <a:t>07-03-2024</a:t>
             </a:fld>
             <a:endParaRPr lang="en-IN"/>
           </a:p>
@@ -6021,7 +6023,7 @@
           <a:p>
             <a:fld id="{41375B53-D0B4-4444-B0F7-A99E07105146}" type="datetimeFigureOut">
               <a:rPr lang="en-IN" smtClean="0"/>
-              <a:t>06-03-2024</a:t>
+              <a:t>07-03-2024</a:t>
             </a:fld>
             <a:endParaRPr lang="en-IN"/>
           </a:p>
@@ -6362,7 +6364,7 @@
           <a:p>
             <a:fld id="{41375B53-D0B4-4444-B0F7-A99E07105146}" type="datetimeFigureOut">
               <a:rPr lang="en-IN" smtClean="0"/>
-              <a:t>06-03-2024</a:t>
+              <a:t>07-03-2024</a:t>
             </a:fld>
             <a:endParaRPr lang="en-IN"/>
           </a:p>
@@ -6985,7 +6987,7 @@
           <a:p>
             <a:fld id="{41375B53-D0B4-4444-B0F7-A99E07105146}" type="datetimeFigureOut">
               <a:rPr lang="en-IN" smtClean="0"/>
-              <a:t>06-03-2024</a:t>
+              <a:t>07-03-2024</a:t>
             </a:fld>
             <a:endParaRPr lang="en-IN"/>
           </a:p>
@@ -7845,7 +7847,7 @@
           <a:p>
             <a:fld id="{41375B53-D0B4-4444-B0F7-A99E07105146}" type="datetimeFigureOut">
               <a:rPr lang="en-IN" smtClean="0"/>
-              <a:t>06-03-2024</a:t>
+              <a:t>07-03-2024</a:t>
             </a:fld>
             <a:endParaRPr lang="en-IN"/>
           </a:p>
@@ -8015,7 +8017,7 @@
           <a:p>
             <a:fld id="{41375B53-D0B4-4444-B0F7-A99E07105146}" type="datetimeFigureOut">
               <a:rPr lang="en-IN" smtClean="0"/>
-              <a:t>06-03-2024</a:t>
+              <a:t>07-03-2024</a:t>
             </a:fld>
             <a:endParaRPr lang="en-IN"/>
           </a:p>
@@ -8195,7 +8197,7 @@
           <a:p>
             <a:fld id="{41375B53-D0B4-4444-B0F7-A99E07105146}" type="datetimeFigureOut">
               <a:rPr lang="en-IN" smtClean="0"/>
-              <a:t>06-03-2024</a:t>
+              <a:t>07-03-2024</a:t>
             </a:fld>
             <a:endParaRPr lang="en-IN"/>
           </a:p>
@@ -8365,7 +8367,7 @@
           <a:p>
             <a:fld id="{41375B53-D0B4-4444-B0F7-A99E07105146}" type="datetimeFigureOut">
               <a:rPr lang="en-IN" smtClean="0"/>
-              <a:t>06-03-2024</a:t>
+              <a:t>07-03-2024</a:t>
             </a:fld>
             <a:endParaRPr lang="en-IN"/>
           </a:p>
@@ -8612,7 +8614,7 @@
           <a:p>
             <a:fld id="{41375B53-D0B4-4444-B0F7-A99E07105146}" type="datetimeFigureOut">
               <a:rPr lang="en-IN" smtClean="0"/>
-              <a:t>06-03-2024</a:t>
+              <a:t>07-03-2024</a:t>
             </a:fld>
             <a:endParaRPr lang="en-IN"/>
           </a:p>
@@ -8904,7 +8906,7 @@
           <a:p>
             <a:fld id="{41375B53-D0B4-4444-B0F7-A99E07105146}" type="datetimeFigureOut">
               <a:rPr lang="en-IN" smtClean="0"/>
-              <a:t>06-03-2024</a:t>
+              <a:t>07-03-2024</a:t>
             </a:fld>
             <a:endParaRPr lang="en-IN"/>
           </a:p>
@@ -9348,7 +9350,7 @@
           <a:p>
             <a:fld id="{41375B53-D0B4-4444-B0F7-A99E07105146}" type="datetimeFigureOut">
               <a:rPr lang="en-IN" smtClean="0"/>
-              <a:t>06-03-2024</a:t>
+              <a:t>07-03-2024</a:t>
             </a:fld>
             <a:endParaRPr lang="en-IN"/>
           </a:p>
@@ -9466,7 +9468,7 @@
           <a:p>
             <a:fld id="{41375B53-D0B4-4444-B0F7-A99E07105146}" type="datetimeFigureOut">
               <a:rPr lang="en-IN" smtClean="0"/>
-              <a:t>06-03-2024</a:t>
+              <a:t>07-03-2024</a:t>
             </a:fld>
             <a:endParaRPr lang="en-IN"/>
           </a:p>
@@ -9561,7 +9563,7 @@
           <a:p>
             <a:fld id="{41375B53-D0B4-4444-B0F7-A99E07105146}" type="datetimeFigureOut">
               <a:rPr lang="en-IN" smtClean="0"/>
-              <a:t>06-03-2024</a:t>
+              <a:t>07-03-2024</a:t>
             </a:fld>
             <a:endParaRPr lang="en-IN"/>
           </a:p>
@@ -9840,7 +9842,7 @@
           <a:p>
             <a:fld id="{41375B53-D0B4-4444-B0F7-A99E07105146}" type="datetimeFigureOut">
               <a:rPr lang="en-IN" smtClean="0"/>
-              <a:t>06-03-2024</a:t>
+              <a:t>07-03-2024</a:t>
             </a:fld>
             <a:endParaRPr lang="en-IN"/>
           </a:p>
@@ -10115,7 +10117,7 @@
           <a:p>
             <a:fld id="{41375B53-D0B4-4444-B0F7-A99E07105146}" type="datetimeFigureOut">
               <a:rPr lang="en-IN" smtClean="0"/>
-              <a:t>06-03-2024</a:t>
+              <a:t>07-03-2024</a:t>
             </a:fld>
             <a:endParaRPr lang="en-IN"/>
           </a:p>
@@ -10544,7 +10546,7 @@
           <a:p>
             <a:fld id="{41375B53-D0B4-4444-B0F7-A99E07105146}" type="datetimeFigureOut">
               <a:rPr lang="en-IN" smtClean="0"/>
-              <a:t>06-03-2024</a:t>
+              <a:t>07-03-2024</a:t>
             </a:fld>
             <a:endParaRPr lang="en-IN"/>
           </a:p>
@@ -11119,22 +11121,28 @@
         </p:nvSpPr>
         <p:spPr/>
         <p:txBody>
-          <a:bodyPr/>
+          <a:bodyPr>
+            <a:noAutofit/>
+          </a:bodyPr>
           <a:lstStyle/>
           <a:p>
             <a:r>
-              <a:rPr lang="en-US" b="1" i="0" dirty="0">
-                <a:solidFill>
-                  <a:srgbClr val="E98517"/>
+              <a:rPr lang="en-US" sz="2800" b="1" i="0" dirty="0">
+                <a:solidFill>
+                  <a:schemeClr val="accent1">
+                    <a:lumMod val="50000"/>
+                  </a:schemeClr>
                 </a:solidFill>
                 <a:effectLst/>
                 <a:latin typeface="Söhne"/>
               </a:rPr>
               <a:t>Unveiling trends in consumer preferences and brand dominance within the e-commerce market.</a:t>
             </a:r>
-            <a:endParaRPr lang="en-IN" b="1" dirty="0">
+            <a:endParaRPr lang="en-IN" sz="2800" b="1" dirty="0">
               <a:solidFill>
-                <a:srgbClr val="E98517"/>
+                <a:schemeClr val="accent1">
+                  <a:lumMod val="50000"/>
+                </a:schemeClr>
               </a:solidFill>
             </a:endParaRPr>
           </a:p>
@@ -11154,6 +11162,896 @@
 </file>
 
 <file path=ppt/slides/slide10.xml><?xml version="1.0" encoding="utf-8"?>
+<p:sld xmlns:a="http://schemas.openxmlformats.org/drawingml/2006/main" xmlns:r="http://schemas.openxmlformats.org/officeDocument/2006/relationships" xmlns:p="http://schemas.openxmlformats.org/presentationml/2006/main">
+  <p:cSld>
+    <p:spTree>
+      <p:nvGrpSpPr>
+        <p:cNvPr id="1" name=""/>
+        <p:cNvGrpSpPr/>
+        <p:nvPr/>
+      </p:nvGrpSpPr>
+      <p:grpSpPr>
+        <a:xfrm>
+          <a:off x="0" y="0"/>
+          <a:ext cx="0" cy="0"/>
+          <a:chOff x="0" y="0"/>
+          <a:chExt cx="0" cy="0"/>
+        </a:xfrm>
+      </p:grpSpPr>
+      <p:sp>
+        <p:nvSpPr>
+          <p:cNvPr id="8" name="Title 7">
+            <a:extLst>
+              <a:ext uri="{FF2B5EF4-FFF2-40B4-BE49-F238E27FC236}">
+                <a16:creationId xmlns:a16="http://schemas.microsoft.com/office/drawing/2014/main" id="{F5B5F5D9-27AD-C450-103F-609A9B2E309D}"/>
+              </a:ext>
+            </a:extLst>
+          </p:cNvPr>
+          <p:cNvSpPr>
+            <a:spLocks noGrp="1"/>
+          </p:cNvSpPr>
+          <p:nvPr>
+            <p:ph type="title"/>
+          </p:nvPr>
+        </p:nvSpPr>
+        <p:spPr>
+          <a:xfrm>
+            <a:off x="646111" y="133350"/>
+            <a:ext cx="9650413" cy="657225"/>
+          </a:xfrm>
+        </p:spPr>
+        <p:txBody>
+          <a:bodyPr/>
+          <a:lstStyle/>
+          <a:p>
+            <a:r>
+              <a:rPr lang="en-US" sz="3600" b="1" dirty="0"/>
+              <a:t>SELLERS THEIR RATINGS AND DISCOUNTS</a:t>
+            </a:r>
+            <a:endParaRPr lang="en-IN" sz="3600" b="1" dirty="0"/>
+          </a:p>
+        </p:txBody>
+      </p:sp>
+      <p:sp>
+        <p:nvSpPr>
+          <p:cNvPr id="14" name="TextBox 13">
+            <a:extLst>
+              <a:ext uri="{FF2B5EF4-FFF2-40B4-BE49-F238E27FC236}">
+                <a16:creationId xmlns:a16="http://schemas.microsoft.com/office/drawing/2014/main" id="{A0A73A9A-1253-AA4C-3CC1-F6105691B2C9}"/>
+              </a:ext>
+            </a:extLst>
+          </p:cNvPr>
+          <p:cNvSpPr txBox="1"/>
+          <p:nvPr/>
+        </p:nvSpPr>
+        <p:spPr>
+          <a:xfrm>
+            <a:off x="542925" y="4152900"/>
+            <a:ext cx="10487025" cy="2631490"/>
+          </a:xfrm>
+          <a:prstGeom prst="rect">
+            <a:avLst/>
+          </a:prstGeom>
+          <a:noFill/>
+        </p:spPr>
+        <p:txBody>
+          <a:bodyPr wrap="square" rtlCol="0">
+            <a:spAutoFit/>
+          </a:bodyPr>
+          <a:lstStyle/>
+          <a:p>
+            <a:r>
+              <a:rPr lang="en-US" sz="1500" dirty="0">
+                <a:latin typeface="Söhne"/>
+              </a:rPr>
+              <a:t>1. </a:t>
+            </a:r>
+            <a:r>
+              <a:rPr lang="en-US" sz="1500" b="1" dirty="0">
+                <a:solidFill>
+                  <a:schemeClr val="accent3">
+                    <a:lumMod val="60000"/>
+                    <a:lumOff val="40000"/>
+                  </a:schemeClr>
+                </a:solidFill>
+                <a:latin typeface="Söhne"/>
+              </a:rPr>
+              <a:t>Highly Rated Sellers</a:t>
+            </a:r>
+            <a:r>
+              <a:rPr lang="en-US" sz="1500" dirty="0">
+                <a:solidFill>
+                  <a:schemeClr val="accent3">
+                    <a:lumMod val="60000"/>
+                    <a:lumOff val="40000"/>
+                  </a:schemeClr>
+                </a:solidFill>
+                <a:latin typeface="Söhne"/>
+              </a:rPr>
+              <a:t>: </a:t>
+            </a:r>
+            <a:r>
+              <a:rPr lang="en-US" sz="1500" dirty="0" err="1">
+                <a:latin typeface="Söhne"/>
+              </a:rPr>
+              <a:t>VARTees</a:t>
+            </a:r>
+            <a:r>
+              <a:rPr lang="en-US" sz="1500" dirty="0">
+                <a:latin typeface="Söhne"/>
+              </a:rPr>
+              <a:t> and MILDIN showcase exceptional ratings, indicating superior customer satisfaction, while maintaining discounts of 63% and 56%, respectively.</a:t>
+            </a:r>
+          </a:p>
+          <a:p>
+            <a:endParaRPr lang="en-US" sz="1500" dirty="0">
+              <a:latin typeface="Söhne"/>
+            </a:endParaRPr>
+          </a:p>
+          <a:p>
+            <a:r>
+              <a:rPr lang="en-US" sz="1500" dirty="0">
+                <a:latin typeface="Söhne"/>
+              </a:rPr>
+              <a:t>2. </a:t>
+            </a:r>
+            <a:r>
+              <a:rPr lang="en-US" sz="1500" b="1" dirty="0">
+                <a:solidFill>
+                  <a:schemeClr val="accent3">
+                    <a:lumMod val="60000"/>
+                    <a:lumOff val="40000"/>
+                  </a:schemeClr>
+                </a:solidFill>
+                <a:latin typeface="Söhne"/>
+              </a:rPr>
+              <a:t>Discount Strategies</a:t>
+            </a:r>
+            <a:r>
+              <a:rPr lang="en-US" sz="1500" dirty="0">
+                <a:solidFill>
+                  <a:schemeClr val="accent3">
+                    <a:lumMod val="60000"/>
+                    <a:lumOff val="40000"/>
+                  </a:schemeClr>
+                </a:solidFill>
+                <a:latin typeface="Söhne"/>
+              </a:rPr>
+              <a:t>:</a:t>
+            </a:r>
+            <a:r>
+              <a:rPr lang="en-US" sz="1500" dirty="0">
+                <a:latin typeface="Söhne"/>
+              </a:rPr>
+              <a:t> </a:t>
+            </a:r>
+            <a:r>
+              <a:rPr lang="en-US" sz="1500" dirty="0" err="1">
+                <a:latin typeface="Söhne"/>
+              </a:rPr>
+              <a:t>PixFab's</a:t>
+            </a:r>
+            <a:r>
+              <a:rPr lang="en-US" sz="1500" dirty="0">
+                <a:latin typeface="Söhne"/>
+              </a:rPr>
+              <a:t> substantial discount of 76% highlights an effective strategy to attract price-conscious customers, influencing purchasing decisions.</a:t>
+            </a:r>
+          </a:p>
+          <a:p>
+            <a:endParaRPr lang="en-US" sz="1500" dirty="0">
+              <a:latin typeface="Söhne"/>
+            </a:endParaRPr>
+          </a:p>
+          <a:p>
+            <a:r>
+              <a:rPr lang="en-US" sz="1500" dirty="0">
+                <a:latin typeface="Söhne"/>
+              </a:rPr>
+              <a:t>3. </a:t>
+            </a:r>
+            <a:r>
+              <a:rPr lang="en-US" sz="1500" b="1" dirty="0">
+                <a:solidFill>
+                  <a:schemeClr val="accent3">
+                    <a:lumMod val="60000"/>
+                    <a:lumOff val="40000"/>
+                  </a:schemeClr>
+                </a:solidFill>
+                <a:latin typeface="Söhne"/>
+              </a:rPr>
+              <a:t>Competitive Pricing and Ratings</a:t>
+            </a:r>
+            <a:r>
+              <a:rPr lang="en-US" sz="1500" dirty="0">
+                <a:solidFill>
+                  <a:schemeClr val="accent3">
+                    <a:lumMod val="60000"/>
+                    <a:lumOff val="40000"/>
+                  </a:schemeClr>
+                </a:solidFill>
+                <a:latin typeface="Söhne"/>
+              </a:rPr>
+              <a:t>:</a:t>
+            </a:r>
+            <a:r>
+              <a:rPr lang="en-US" sz="1500" dirty="0">
+                <a:latin typeface="Söhne"/>
+              </a:rPr>
+              <a:t> Paramount E-Commerce3.4 and VIRAJ INTERNATIONAL strike a balance with a 4.4 rating, coupled with moderate discounts, reflecting competitive pricing strategies.</a:t>
+            </a:r>
+          </a:p>
+          <a:p>
+            <a:endParaRPr lang="en-US" sz="1500" dirty="0">
+              <a:latin typeface="Söhne"/>
+            </a:endParaRPr>
+          </a:p>
+          <a:p>
+            <a:r>
+              <a:rPr lang="en-US" sz="1500" dirty="0">
+                <a:latin typeface="Söhne"/>
+              </a:rPr>
+              <a:t>4. </a:t>
+            </a:r>
+            <a:r>
+              <a:rPr lang="en-US" sz="1500" b="1" dirty="0">
+                <a:solidFill>
+                  <a:schemeClr val="accent3">
+                    <a:lumMod val="60000"/>
+                    <a:lumOff val="40000"/>
+                  </a:schemeClr>
+                </a:solidFill>
+                <a:latin typeface="Söhne"/>
+              </a:rPr>
+              <a:t>Consistency in Customer Satisfaction:</a:t>
+            </a:r>
+            <a:r>
+              <a:rPr lang="en-US" sz="1500" dirty="0">
+                <a:solidFill>
+                  <a:schemeClr val="accent3">
+                    <a:lumMod val="60000"/>
+                    <a:lumOff val="40000"/>
+                  </a:schemeClr>
+                </a:solidFill>
+                <a:latin typeface="Söhne"/>
+              </a:rPr>
+              <a:t> </a:t>
+            </a:r>
+            <a:r>
+              <a:rPr lang="en-US" sz="1500" dirty="0">
+                <a:latin typeface="Söhne"/>
+              </a:rPr>
+              <a:t>ONEIRO CONCEPTS and DEEPA FASHION maintain high ratings above 4.3, alongside consistent discounts, signaling a commitment to product quality and customer satisfaction.</a:t>
+            </a:r>
+            <a:endParaRPr lang="en-IN" sz="1500" dirty="0">
+              <a:latin typeface="Söhne"/>
+            </a:endParaRPr>
+          </a:p>
+        </p:txBody>
+      </p:sp>
+      <p:pic>
+        <p:nvPicPr>
+          <p:cNvPr id="5" name="Content Placeholder 4">
+            <a:extLst>
+              <a:ext uri="{FF2B5EF4-FFF2-40B4-BE49-F238E27FC236}">
+                <a16:creationId xmlns:a16="http://schemas.microsoft.com/office/drawing/2014/main" id="{FC9963FC-178C-F495-07F8-71D46E28BBBA}"/>
+              </a:ext>
+            </a:extLst>
+          </p:cNvPr>
+          <p:cNvPicPr>
+            <a:picLocks noGrp="1" noChangeAspect="1"/>
+          </p:cNvPicPr>
+          <p:nvPr>
+            <p:ph sz="half" idx="2"/>
+          </p:nvPr>
+        </p:nvPicPr>
+        <p:blipFill>
+          <a:blip r:embed="rId2"/>
+          <a:stretch>
+            <a:fillRect/>
+          </a:stretch>
+        </p:blipFill>
+        <p:spPr>
+          <a:xfrm>
+            <a:off x="646110" y="858838"/>
+            <a:ext cx="9650413" cy="2994025"/>
+          </a:xfrm>
+        </p:spPr>
+      </p:pic>
+    </p:spTree>
+    <p:extLst>
+      <p:ext uri="{BB962C8B-B14F-4D97-AF65-F5344CB8AC3E}">
+        <p14:creationId xmlns:p14="http://schemas.microsoft.com/office/powerpoint/2010/main" val="191559119"/>
+      </p:ext>
+    </p:extLst>
+  </p:cSld>
+  <p:clrMapOvr>
+    <a:masterClrMapping/>
+  </p:clrMapOvr>
+</p:sld>
+</file>
+
+<file path=ppt/slides/slide11.xml><?xml version="1.0" encoding="utf-8"?>
+<p:sld xmlns:a="http://schemas.openxmlformats.org/drawingml/2006/main" xmlns:r="http://schemas.openxmlformats.org/officeDocument/2006/relationships" xmlns:p="http://schemas.openxmlformats.org/presentationml/2006/main">
+  <p:cSld>
+    <p:spTree>
+      <p:nvGrpSpPr>
+        <p:cNvPr id="1" name=""/>
+        <p:cNvGrpSpPr/>
+        <p:nvPr/>
+      </p:nvGrpSpPr>
+      <p:grpSpPr>
+        <a:xfrm>
+          <a:off x="0" y="0"/>
+          <a:ext cx="0" cy="0"/>
+          <a:chOff x="0" y="0"/>
+          <a:chExt cx="0" cy="0"/>
+        </a:xfrm>
+      </p:grpSpPr>
+      <p:sp>
+        <p:nvSpPr>
+          <p:cNvPr id="2" name="Title 1">
+            <a:extLst>
+              <a:ext uri="{FF2B5EF4-FFF2-40B4-BE49-F238E27FC236}">
+                <a16:creationId xmlns:a16="http://schemas.microsoft.com/office/drawing/2014/main" id="{C2B2EAE7-C532-4BC9-BA89-00610CB0F45F}"/>
+              </a:ext>
+            </a:extLst>
+          </p:cNvPr>
+          <p:cNvSpPr>
+            <a:spLocks noGrp="1"/>
+          </p:cNvSpPr>
+          <p:nvPr>
+            <p:ph type="title"/>
+          </p:nvPr>
+        </p:nvSpPr>
+        <p:spPr>
+          <a:xfrm>
+            <a:off x="646111" y="452718"/>
+            <a:ext cx="9404723" cy="648294"/>
+          </a:xfrm>
+        </p:spPr>
+        <p:txBody>
+          <a:bodyPr/>
+          <a:lstStyle/>
+          <a:p>
+            <a:r>
+              <a:rPr lang="en-US" sz="3600" b="1" dirty="0"/>
+              <a:t>TOP 10 BRANDS</a:t>
+            </a:r>
+            <a:endParaRPr lang="en-IN" sz="3600" b="1" dirty="0"/>
+          </a:p>
+        </p:txBody>
+      </p:sp>
+      <p:sp>
+        <p:nvSpPr>
+          <p:cNvPr id="4" name="Content Placeholder 3">
+            <a:extLst>
+              <a:ext uri="{FF2B5EF4-FFF2-40B4-BE49-F238E27FC236}">
+                <a16:creationId xmlns:a16="http://schemas.microsoft.com/office/drawing/2014/main" id="{FD87C067-25FB-8AE6-771D-75FFA50EE7A2}"/>
+              </a:ext>
+            </a:extLst>
+          </p:cNvPr>
+          <p:cNvSpPr>
+            <a:spLocks noGrp="1"/>
+          </p:cNvSpPr>
+          <p:nvPr>
+            <p:ph sz="half" idx="2"/>
+          </p:nvPr>
+        </p:nvSpPr>
+        <p:spPr>
+          <a:xfrm>
+            <a:off x="4975938" y="1101012"/>
+            <a:ext cx="6911261" cy="5617028"/>
+          </a:xfrm>
+        </p:spPr>
+        <p:txBody>
+          <a:bodyPr>
+            <a:normAutofit fontScale="85000" lnSpcReduction="20000"/>
+          </a:bodyPr>
+          <a:lstStyle/>
+          <a:p>
+            <a:pPr algn="l"/>
+            <a:r>
+              <a:rPr lang="en-US" b="1" i="0" dirty="0">
+                <a:solidFill>
+                  <a:schemeClr val="accent3">
+                    <a:lumMod val="60000"/>
+                    <a:lumOff val="40000"/>
+                  </a:schemeClr>
+                </a:solidFill>
+                <a:effectLst/>
+                <a:latin typeface="Söhne"/>
+              </a:rPr>
+              <a:t>Insights:</a:t>
+            </a:r>
+            <a:endParaRPr lang="en-US" b="0" i="0" dirty="0">
+              <a:solidFill>
+                <a:schemeClr val="accent3">
+                  <a:lumMod val="60000"/>
+                  <a:lumOff val="40000"/>
+                </a:schemeClr>
+              </a:solidFill>
+              <a:effectLst/>
+              <a:latin typeface="Söhne"/>
+            </a:endParaRPr>
+          </a:p>
+          <a:p>
+            <a:pPr algn="l">
+              <a:buFont typeface="+mj-lt"/>
+              <a:buAutoNum type="arabicPeriod"/>
+            </a:pPr>
+            <a:r>
+              <a:rPr lang="en-US" b="1" i="0" dirty="0">
+                <a:solidFill>
+                  <a:schemeClr val="accent3">
+                    <a:lumMod val="60000"/>
+                    <a:lumOff val="40000"/>
+                  </a:schemeClr>
+                </a:solidFill>
+                <a:effectLst/>
+                <a:latin typeface="Söhne"/>
+              </a:rPr>
+              <a:t>REEBOK CLASSIC:</a:t>
+            </a:r>
+            <a:r>
+              <a:rPr lang="en-US" b="0" i="0" dirty="0">
+                <a:solidFill>
+                  <a:schemeClr val="accent3">
+                    <a:lumMod val="60000"/>
+                    <a:lumOff val="40000"/>
+                  </a:schemeClr>
+                </a:solidFill>
+                <a:effectLst/>
+                <a:latin typeface="Söhne"/>
+              </a:rPr>
+              <a:t> </a:t>
+            </a:r>
+            <a:r>
+              <a:rPr lang="en-US" b="0" i="0" dirty="0">
+                <a:solidFill>
+                  <a:srgbClr val="ECECEC"/>
+                </a:solidFill>
+                <a:effectLst/>
+                <a:latin typeface="Söhne"/>
+              </a:rPr>
+              <a:t>Priced at ₹2004.41 compared to an actual price of ₹3474.96, with a rating of 4.16, offering a balance of quality and affordability for customers.</a:t>
+            </a:r>
+          </a:p>
+          <a:p>
+            <a:pPr algn="l">
+              <a:buFont typeface="+mj-lt"/>
+              <a:buAutoNum type="arabicPeriod"/>
+            </a:pPr>
+            <a:r>
+              <a:rPr lang="en-US" b="1" i="0" dirty="0" err="1">
+                <a:solidFill>
+                  <a:schemeClr val="accent3">
+                    <a:lumMod val="60000"/>
+                    <a:lumOff val="40000"/>
+                  </a:schemeClr>
+                </a:solidFill>
+                <a:effectLst/>
+                <a:latin typeface="Söhne"/>
+              </a:rPr>
+              <a:t>Bofri</a:t>
+            </a:r>
+            <a:r>
+              <a:rPr lang="en-US" b="1" i="0" dirty="0">
+                <a:solidFill>
+                  <a:schemeClr val="accent3">
+                    <a:lumMod val="60000"/>
+                    <a:lumOff val="40000"/>
+                  </a:schemeClr>
+                </a:solidFill>
+                <a:effectLst/>
+                <a:latin typeface="Söhne"/>
+              </a:rPr>
+              <a:t>:</a:t>
+            </a:r>
+            <a:r>
+              <a:rPr lang="en-US" b="0" i="0" dirty="0">
+                <a:solidFill>
+                  <a:schemeClr val="accent3">
+                    <a:lumMod val="60000"/>
+                    <a:lumOff val="40000"/>
+                  </a:schemeClr>
+                </a:solidFill>
+                <a:effectLst/>
+                <a:latin typeface="Söhne"/>
+              </a:rPr>
+              <a:t> </a:t>
+            </a:r>
+            <a:r>
+              <a:rPr lang="en-US" b="0" i="0" dirty="0">
+                <a:solidFill>
+                  <a:srgbClr val="ECECEC"/>
+                </a:solidFill>
+                <a:effectLst/>
+                <a:latin typeface="Söhne"/>
+              </a:rPr>
+              <a:t>Providing products at ₹1264.50 compared to ₹2424.00, with a rating of 4.15, making it an attractive option for budget-conscious consumers.</a:t>
+            </a:r>
+          </a:p>
+          <a:p>
+            <a:pPr algn="l">
+              <a:buFont typeface="+mj-lt"/>
+              <a:buAutoNum type="arabicPeriod"/>
+            </a:pPr>
+            <a:r>
+              <a:rPr lang="en-US" b="1" i="0" dirty="0">
+                <a:solidFill>
+                  <a:schemeClr val="accent3">
+                    <a:lumMod val="60000"/>
+                    <a:lumOff val="40000"/>
+                  </a:schemeClr>
+                </a:solidFill>
+                <a:effectLst/>
+                <a:latin typeface="Söhne"/>
+              </a:rPr>
+              <a:t>U.S. Polo Association:</a:t>
+            </a:r>
+            <a:r>
+              <a:rPr lang="en-US" b="0" i="0" dirty="0">
+                <a:solidFill>
+                  <a:schemeClr val="accent3">
+                    <a:lumMod val="60000"/>
+                    <a:lumOff val="40000"/>
+                  </a:schemeClr>
+                </a:solidFill>
+                <a:effectLst/>
+                <a:latin typeface="Söhne"/>
+              </a:rPr>
+              <a:t> </a:t>
+            </a:r>
+            <a:r>
+              <a:rPr lang="en-US" b="0" i="0" dirty="0">
+                <a:solidFill>
+                  <a:srgbClr val="ECECEC"/>
+                </a:solidFill>
+                <a:effectLst/>
+                <a:latin typeface="Söhne"/>
+              </a:rPr>
+              <a:t>With a rating of 4.11, the brand offers products at ₹1047.10, providing customers with quality items at an affordable price point.</a:t>
+            </a:r>
+          </a:p>
+          <a:p>
+            <a:pPr algn="l">
+              <a:buFont typeface="+mj-lt"/>
+              <a:buAutoNum type="arabicPeriod"/>
+            </a:pPr>
+            <a:r>
+              <a:rPr lang="en-US" b="1" i="0" dirty="0">
+                <a:solidFill>
+                  <a:schemeClr val="accent3">
+                    <a:lumMod val="60000"/>
+                    <a:lumOff val="40000"/>
+                  </a:schemeClr>
+                </a:solidFill>
+                <a:effectLst/>
+                <a:latin typeface="Söhne"/>
+              </a:rPr>
+              <a:t>INTER CREATI:</a:t>
+            </a:r>
+            <a:r>
+              <a:rPr lang="en-US" b="0" i="0" dirty="0">
+                <a:solidFill>
+                  <a:schemeClr val="accent3">
+                    <a:lumMod val="60000"/>
+                    <a:lumOff val="40000"/>
+                  </a:schemeClr>
+                </a:solidFill>
+                <a:effectLst/>
+                <a:latin typeface="Söhne"/>
+              </a:rPr>
+              <a:t> </a:t>
+            </a:r>
+            <a:r>
+              <a:rPr lang="en-US" b="0" i="0" dirty="0">
+                <a:solidFill>
+                  <a:srgbClr val="ECECEC"/>
+                </a:solidFill>
+                <a:effectLst/>
+                <a:latin typeface="Söhne"/>
+              </a:rPr>
+              <a:t>Offering a discount, the brand sells products at ₹910.07 compared to ₹1641.14, with a rating of 4.13, appealing to customers seeking value for money.</a:t>
+            </a:r>
+          </a:p>
+          <a:p>
+            <a:pPr algn="l">
+              <a:buFont typeface="+mj-lt"/>
+              <a:buAutoNum type="arabicPeriod"/>
+            </a:pPr>
+            <a:r>
+              <a:rPr lang="en-US" b="1" i="0" dirty="0">
+                <a:solidFill>
+                  <a:schemeClr val="accent3">
+                    <a:lumMod val="60000"/>
+                    <a:lumOff val="40000"/>
+                  </a:schemeClr>
+                </a:solidFill>
+                <a:effectLst/>
+                <a:latin typeface="Söhne"/>
+              </a:rPr>
+              <a:t>Wet Off Ho:</a:t>
+            </a:r>
+            <a:r>
+              <a:rPr lang="en-US" b="0" i="0" dirty="0">
+                <a:solidFill>
+                  <a:schemeClr val="accent3">
+                    <a:lumMod val="60000"/>
+                    <a:lumOff val="40000"/>
+                  </a:schemeClr>
+                </a:solidFill>
+                <a:effectLst/>
+                <a:latin typeface="Söhne"/>
+              </a:rPr>
+              <a:t> </a:t>
+            </a:r>
+            <a:r>
+              <a:rPr lang="en-US" b="0" i="0" dirty="0">
+                <a:solidFill>
+                  <a:srgbClr val="ECECEC"/>
+                </a:solidFill>
+                <a:effectLst/>
+                <a:latin typeface="Söhne"/>
+              </a:rPr>
+              <a:t>Priced at ₹870.80 compared to ₹2870.20, with a rating of 4.14, showcasing a significant discount and favorable customer ratings.</a:t>
+            </a:r>
+          </a:p>
+          <a:p>
+            <a:pPr algn="l"/>
+            <a:r>
+              <a:rPr lang="en-US" b="1" i="0" dirty="0">
+                <a:solidFill>
+                  <a:schemeClr val="accent3">
+                    <a:lumMod val="60000"/>
+                    <a:lumOff val="40000"/>
+                  </a:schemeClr>
+                </a:solidFill>
+                <a:effectLst/>
+                <a:latin typeface="Söhne"/>
+              </a:rPr>
+              <a:t>Recommendations:</a:t>
+            </a:r>
+          </a:p>
+          <a:p>
+            <a:pPr algn="l">
+              <a:buFont typeface="Arial" panose="020B0604020202020204" pitchFamily="34" charset="0"/>
+              <a:buChar char="•"/>
+            </a:pPr>
+            <a:r>
+              <a:rPr lang="en-US" b="1" i="0" dirty="0">
+                <a:solidFill>
+                  <a:schemeClr val="accent3">
+                    <a:lumMod val="60000"/>
+                    <a:lumOff val="40000"/>
+                  </a:schemeClr>
+                </a:solidFill>
+                <a:effectLst/>
+                <a:latin typeface="Söhne"/>
+              </a:rPr>
+              <a:t>Promotional Strategies:</a:t>
+            </a:r>
+            <a:r>
+              <a:rPr lang="en-US" b="0" i="0" dirty="0">
+                <a:solidFill>
+                  <a:schemeClr val="accent3">
+                    <a:lumMod val="60000"/>
+                    <a:lumOff val="40000"/>
+                  </a:schemeClr>
+                </a:solidFill>
+                <a:effectLst/>
+                <a:latin typeface="Söhne"/>
+              </a:rPr>
+              <a:t> </a:t>
+            </a:r>
+            <a:r>
+              <a:rPr lang="en-US" b="0" i="0" dirty="0">
+                <a:solidFill>
+                  <a:srgbClr val="ECECEC"/>
+                </a:solidFill>
+                <a:effectLst/>
+                <a:latin typeface="Söhne"/>
+              </a:rPr>
+              <a:t>Highlight discounted products from popular brands like REEBOK CLASSI and </a:t>
+            </a:r>
+            <a:r>
+              <a:rPr lang="en-US" b="0" i="0" dirty="0" err="1">
+                <a:solidFill>
+                  <a:srgbClr val="ECECEC"/>
+                </a:solidFill>
+                <a:effectLst/>
+                <a:latin typeface="Söhne"/>
+              </a:rPr>
+              <a:t>Bofri</a:t>
+            </a:r>
+            <a:r>
+              <a:rPr lang="en-US" b="0" i="0" dirty="0">
+                <a:solidFill>
+                  <a:srgbClr val="ECECEC"/>
+                </a:solidFill>
+                <a:effectLst/>
+                <a:latin typeface="Söhne"/>
+              </a:rPr>
+              <a:t> in marketing campaigns to attract more customers.</a:t>
+            </a:r>
+          </a:p>
+          <a:p>
+            <a:pPr algn="l">
+              <a:buFont typeface="Arial" panose="020B0604020202020204" pitchFamily="34" charset="0"/>
+              <a:buChar char="•"/>
+            </a:pPr>
+            <a:r>
+              <a:rPr lang="en-US" b="1" i="0" dirty="0">
+                <a:solidFill>
+                  <a:schemeClr val="accent3">
+                    <a:lumMod val="60000"/>
+                    <a:lumOff val="40000"/>
+                  </a:schemeClr>
+                </a:solidFill>
+                <a:effectLst/>
+                <a:latin typeface="Söhne"/>
+              </a:rPr>
+              <a:t>Quality Assurance:</a:t>
+            </a:r>
+            <a:r>
+              <a:rPr lang="en-US" b="0" i="0" dirty="0">
+                <a:solidFill>
+                  <a:schemeClr val="accent3">
+                    <a:lumMod val="60000"/>
+                    <a:lumOff val="40000"/>
+                  </a:schemeClr>
+                </a:solidFill>
+                <a:effectLst/>
+                <a:latin typeface="Söhne"/>
+              </a:rPr>
+              <a:t> </a:t>
+            </a:r>
+            <a:r>
+              <a:rPr lang="en-US" b="0" i="0" dirty="0">
+                <a:solidFill>
+                  <a:srgbClr val="ECECEC"/>
+                </a:solidFill>
+                <a:effectLst/>
+                <a:latin typeface="Söhne"/>
+              </a:rPr>
+              <a:t>Ensure that discounted products maintain high quality standards to uphold customer satisfaction and brand reputation.</a:t>
+            </a:r>
+          </a:p>
+          <a:p>
+            <a:pPr algn="l">
+              <a:buFont typeface="Arial" panose="020B0604020202020204" pitchFamily="34" charset="0"/>
+              <a:buChar char="•"/>
+            </a:pPr>
+            <a:r>
+              <a:rPr lang="en-US" b="1" i="0" dirty="0">
+                <a:solidFill>
+                  <a:schemeClr val="accent3">
+                    <a:lumMod val="60000"/>
+                    <a:lumOff val="40000"/>
+                  </a:schemeClr>
+                </a:solidFill>
+                <a:effectLst/>
+                <a:latin typeface="Söhne"/>
+              </a:rPr>
+              <a:t>Competitive Pricing:</a:t>
+            </a:r>
+            <a:r>
+              <a:rPr lang="en-US" b="0" i="0" dirty="0">
+                <a:solidFill>
+                  <a:schemeClr val="accent3">
+                    <a:lumMod val="60000"/>
+                    <a:lumOff val="40000"/>
+                  </a:schemeClr>
+                </a:solidFill>
+                <a:effectLst/>
+                <a:latin typeface="Söhne"/>
+              </a:rPr>
+              <a:t> </a:t>
+            </a:r>
+            <a:r>
+              <a:rPr lang="en-US" b="0" i="0" dirty="0">
+                <a:solidFill>
+                  <a:srgbClr val="ECECEC"/>
+                </a:solidFill>
+                <a:effectLst/>
+                <a:latin typeface="Söhne"/>
+              </a:rPr>
+              <a:t>Continuously monitor competitor pricing strategies to adjust discounts and remain competitive in the market.</a:t>
+            </a:r>
+          </a:p>
+          <a:p>
+            <a:pPr algn="l">
+              <a:buFont typeface="Arial" panose="020B0604020202020204" pitchFamily="34" charset="0"/>
+              <a:buChar char="•"/>
+            </a:pPr>
+            <a:r>
+              <a:rPr lang="en-US" b="1" i="0" dirty="0">
+                <a:solidFill>
+                  <a:schemeClr val="accent3">
+                    <a:lumMod val="60000"/>
+                    <a:lumOff val="40000"/>
+                  </a:schemeClr>
+                </a:solidFill>
+                <a:effectLst/>
+                <a:latin typeface="Söhne"/>
+              </a:rPr>
+              <a:t>Customer Engagement:</a:t>
+            </a:r>
+            <a:r>
+              <a:rPr lang="en-US" b="0" i="0" dirty="0">
+                <a:solidFill>
+                  <a:schemeClr val="accent3">
+                    <a:lumMod val="60000"/>
+                    <a:lumOff val="40000"/>
+                  </a:schemeClr>
+                </a:solidFill>
+                <a:effectLst/>
+                <a:latin typeface="Söhne"/>
+              </a:rPr>
+              <a:t> </a:t>
+            </a:r>
+            <a:r>
+              <a:rPr lang="en-US" b="0" i="0" dirty="0">
+                <a:solidFill>
+                  <a:srgbClr val="ECECEC"/>
+                </a:solidFill>
+                <a:effectLst/>
+                <a:latin typeface="Söhne"/>
+              </a:rPr>
+              <a:t>Encourage customer feedback to understand their preferences better and tailor product offerings accordingly.</a:t>
+            </a:r>
+          </a:p>
+          <a:p>
+            <a:endParaRPr lang="en-IN" dirty="0"/>
+          </a:p>
+        </p:txBody>
+      </p:sp>
+      <p:graphicFrame>
+        <p:nvGraphicFramePr>
+          <p:cNvPr id="14" name="Content Placeholder 13">
+            <a:extLst>
+              <a:ext uri="{FF2B5EF4-FFF2-40B4-BE49-F238E27FC236}">
+                <a16:creationId xmlns:a16="http://schemas.microsoft.com/office/drawing/2014/main" id="{0E709AC2-BF57-5F2B-3EFA-5EF0B8EBD626}"/>
+              </a:ext>
+            </a:extLst>
+          </p:cNvPr>
+          <p:cNvGraphicFramePr>
+            <a:graphicFrameLocks noGrp="1"/>
+          </p:cNvGraphicFramePr>
+          <p:nvPr>
+            <p:ph sz="half" idx="1"/>
+            <p:extLst>
+              <p:ext uri="{D42A27DB-BD31-4B8C-83A1-F6EECF244321}">
+                <p14:modId xmlns:p14="http://schemas.microsoft.com/office/powerpoint/2010/main" val="307358867"/>
+              </p:ext>
+            </p:extLst>
+          </p:nvPr>
+        </p:nvGraphicFramePr>
+        <p:xfrm>
+          <a:off x="646113" y="1306513"/>
+          <a:ext cx="4195762" cy="5098769"/>
+        </p:xfrm>
+        <a:graphic>
+          <a:graphicData uri="http://schemas.openxmlformats.org/drawingml/2006/chart">
+            <c:chart xmlns:c="http://schemas.openxmlformats.org/drawingml/2006/chart" xmlns:r="http://schemas.openxmlformats.org/officeDocument/2006/relationships" r:id="rId2"/>
+          </a:graphicData>
+        </a:graphic>
+      </p:graphicFrame>
+    </p:spTree>
+    <p:extLst>
+      <p:ext uri="{BB962C8B-B14F-4D97-AF65-F5344CB8AC3E}">
+        <p14:creationId xmlns:p14="http://schemas.microsoft.com/office/powerpoint/2010/main" val="3422997782"/>
+      </p:ext>
+    </p:extLst>
+  </p:cSld>
+  <p:clrMapOvr>
+    <a:masterClrMapping/>
+  </p:clrMapOvr>
+</p:sld>
+</file>
+
+<file path=ppt/slides/slide12.xml><?xml version="1.0" encoding="utf-8"?>
 <p:sld xmlns:a="http://schemas.openxmlformats.org/drawingml/2006/main" xmlns:r="http://schemas.openxmlformats.org/officeDocument/2006/relationships" xmlns:p="http://schemas.openxmlformats.org/presentationml/2006/main">
   <p:cSld>
     <p:spTree>
@@ -11585,7 +12483,7 @@
 </p:sld>
 </file>
 
-<file path=ppt/slides/slide11.xml><?xml version="1.0" encoding="utf-8"?>
+<file path=ppt/slides/slide13.xml><?xml version="1.0" encoding="utf-8"?>
 <p:sld xmlns:a="http://schemas.openxmlformats.org/drawingml/2006/main" xmlns:r="http://schemas.openxmlformats.org/officeDocument/2006/relationships" xmlns:p="http://schemas.openxmlformats.org/presentationml/2006/main">
   <p:cSld>
     <p:spTree>
@@ -11618,7 +12516,12 @@
             <p:ph type="title"/>
           </p:nvPr>
         </p:nvSpPr>
-        <p:spPr/>
+        <p:spPr>
+          <a:xfrm>
+            <a:off x="1154956" y="4800587"/>
+            <a:ext cx="9500603" cy="566738"/>
+          </a:xfrm>
+        </p:spPr>
         <p:txBody>
           <a:bodyPr/>
           <a:lstStyle/>
@@ -11663,7 +12566,7 @@
         </p:blipFill>
         <p:spPr>
           <a:xfrm>
-            <a:off x="1154953" y="280716"/>
+            <a:off x="1492428" y="215402"/>
             <a:ext cx="8825658" cy="4026159"/>
           </a:xfrm>
         </p:spPr>
@@ -11686,8 +12589,8 @@
         </p:nvSpPr>
         <p:spPr>
           <a:xfrm>
-            <a:off x="1154956" y="5367325"/>
-            <a:ext cx="8825656" cy="930838"/>
+            <a:off x="1154955" y="5367325"/>
+            <a:ext cx="9593909" cy="930838"/>
           </a:xfrm>
         </p:spPr>
         <p:txBody>
@@ -11929,6 +12832,566 @@
       </p:grpSpPr>
       <p:sp>
         <p:nvSpPr>
+          <p:cNvPr id="4" name="Title 3">
+            <a:extLst>
+              <a:ext uri="{FF2B5EF4-FFF2-40B4-BE49-F238E27FC236}">
+                <a16:creationId xmlns:a16="http://schemas.microsoft.com/office/drawing/2014/main" id="{283D085B-7A0C-86CF-AD57-E97455A9BF39}"/>
+              </a:ext>
+            </a:extLst>
+          </p:cNvPr>
+          <p:cNvSpPr>
+            <a:spLocks noGrp="1"/>
+          </p:cNvSpPr>
+          <p:nvPr>
+            <p:ph type="title"/>
+          </p:nvPr>
+        </p:nvSpPr>
+        <p:spPr>
+          <a:xfrm>
+            <a:off x="646111" y="177283"/>
+            <a:ext cx="9404723" cy="671804"/>
+          </a:xfrm>
+        </p:spPr>
+        <p:txBody>
+          <a:bodyPr/>
+          <a:lstStyle/>
+          <a:p>
+            <a:r>
+              <a:rPr lang="en-US" sz="3600" b="1" dirty="0"/>
+              <a:t>Problem Statement</a:t>
+            </a:r>
+            <a:endParaRPr lang="en-IN" sz="3600" b="1" dirty="0"/>
+          </a:p>
+        </p:txBody>
+      </p:sp>
+      <p:sp>
+        <p:nvSpPr>
+          <p:cNvPr id="5" name="Content Placeholder 4">
+            <a:extLst>
+              <a:ext uri="{FF2B5EF4-FFF2-40B4-BE49-F238E27FC236}">
+                <a16:creationId xmlns:a16="http://schemas.microsoft.com/office/drawing/2014/main" id="{D268BEA2-2041-E318-6C9D-863EFABFE6DB}"/>
+              </a:ext>
+            </a:extLst>
+          </p:cNvPr>
+          <p:cNvSpPr>
+            <a:spLocks noGrp="1"/>
+          </p:cNvSpPr>
+          <p:nvPr>
+            <p:ph sz="half" idx="1"/>
+          </p:nvPr>
+        </p:nvSpPr>
+        <p:spPr>
+          <a:xfrm>
+            <a:off x="646112" y="849087"/>
+            <a:ext cx="9804174" cy="2727056"/>
+          </a:xfrm>
+        </p:spPr>
+        <p:txBody>
+          <a:bodyPr>
+            <a:normAutofit lnSpcReduction="10000"/>
+          </a:bodyPr>
+          <a:lstStyle/>
+          <a:p>
+            <a:r>
+              <a:rPr lang="en-US" sz="2000" b="0" i="0" dirty="0">
+                <a:solidFill>
+                  <a:srgbClr val="ECECEC"/>
+                </a:solidFill>
+                <a:effectLst/>
+                <a:latin typeface="+mn-lt"/>
+              </a:rPr>
+              <a:t>Increasing competition and evolving market dynamics necessitate businesses to continually monitor their performance and progress towards achieving strategic objectives. This project aims to define and implement key performance indicators tailored to the organization's goals, enabling regular assessment of performance across critical areas such as revenue growth, customer satisfaction, and operational efficiency. By establishing clear metrics and benchmarks, the project seeks to provide actionable insights for decision-making, facilitate performance tracking, and drive continuous improvement initiatives.</a:t>
+            </a:r>
+            <a:endParaRPr lang="en-IN" sz="2000" dirty="0">
+              <a:latin typeface="+mn-lt"/>
+            </a:endParaRPr>
+          </a:p>
+        </p:txBody>
+      </p:sp>
+      <p:sp>
+        <p:nvSpPr>
+          <p:cNvPr id="6" name="Content Placeholder 5">
+            <a:extLst>
+              <a:ext uri="{FF2B5EF4-FFF2-40B4-BE49-F238E27FC236}">
+                <a16:creationId xmlns:a16="http://schemas.microsoft.com/office/drawing/2014/main" id="{132F57B4-6327-D0F8-B2FD-8C53A22CAAC5}"/>
+              </a:ext>
+            </a:extLst>
+          </p:cNvPr>
+          <p:cNvSpPr>
+            <a:spLocks noGrp="1"/>
+          </p:cNvSpPr>
+          <p:nvPr>
+            <p:ph sz="half" idx="2"/>
+          </p:nvPr>
+        </p:nvSpPr>
+        <p:spPr>
+          <a:xfrm>
+            <a:off x="646111" y="4422712"/>
+            <a:ext cx="9404723" cy="1847460"/>
+          </a:xfrm>
+        </p:spPr>
+        <p:txBody>
+          <a:bodyPr>
+            <a:normAutofit lnSpcReduction="10000"/>
+          </a:bodyPr>
+          <a:lstStyle/>
+          <a:p>
+            <a:r>
+              <a:rPr lang="en-US" dirty="0"/>
+              <a:t>Python</a:t>
+            </a:r>
+          </a:p>
+          <a:p>
+            <a:r>
+              <a:rPr lang="en-US" dirty="0"/>
+              <a:t>Pandas</a:t>
+            </a:r>
+          </a:p>
+          <a:p>
+            <a:r>
+              <a:rPr lang="en-US" dirty="0" err="1"/>
+              <a:t>PowerBI</a:t>
+            </a:r>
+            <a:endParaRPr lang="en-US" dirty="0"/>
+          </a:p>
+          <a:p>
+            <a:r>
+              <a:rPr lang="en-US" dirty="0" err="1"/>
+              <a:t>Jupyter</a:t>
+            </a:r>
+            <a:r>
+              <a:rPr lang="en-US" dirty="0"/>
+              <a:t> Notebook</a:t>
+            </a:r>
+          </a:p>
+        </p:txBody>
+      </p:sp>
+      <p:sp>
+        <p:nvSpPr>
+          <p:cNvPr id="7" name="TextBox 6">
+            <a:extLst>
+              <a:ext uri="{FF2B5EF4-FFF2-40B4-BE49-F238E27FC236}">
+                <a16:creationId xmlns:a16="http://schemas.microsoft.com/office/drawing/2014/main" id="{B36927C2-22F1-AC6E-0098-AA4E07AABED4}"/>
+              </a:ext>
+            </a:extLst>
+          </p:cNvPr>
+          <p:cNvSpPr txBox="1"/>
+          <p:nvPr/>
+        </p:nvSpPr>
+        <p:spPr>
+          <a:xfrm>
+            <a:off x="646110" y="3676262"/>
+            <a:ext cx="9404722" cy="646331"/>
+          </a:xfrm>
+          <a:prstGeom prst="rect">
+            <a:avLst/>
+          </a:prstGeom>
+          <a:noFill/>
+        </p:spPr>
+        <p:txBody>
+          <a:bodyPr wrap="square" rtlCol="0">
+            <a:spAutoFit/>
+          </a:bodyPr>
+          <a:lstStyle/>
+          <a:p>
+            <a:r>
+              <a:rPr lang="en-US" sz="3600" b="1" dirty="0">
+                <a:latin typeface="+mj-lt"/>
+              </a:rPr>
+              <a:t>Tools Used</a:t>
+            </a:r>
+            <a:endParaRPr lang="en-IN" sz="3600" b="1" dirty="0">
+              <a:latin typeface="+mj-lt"/>
+            </a:endParaRPr>
+          </a:p>
+        </p:txBody>
+      </p:sp>
+    </p:spTree>
+    <p:extLst>
+      <p:ext uri="{BB962C8B-B14F-4D97-AF65-F5344CB8AC3E}">
+        <p14:creationId xmlns:p14="http://schemas.microsoft.com/office/powerpoint/2010/main" val="1378368015"/>
+      </p:ext>
+    </p:extLst>
+  </p:cSld>
+  <p:clrMapOvr>
+    <a:masterClrMapping/>
+  </p:clrMapOvr>
+</p:sld>
+</file>
+
+<file path=ppt/slides/slide4.xml><?xml version="1.0" encoding="utf-8"?>
+<p:sld xmlns:a="http://schemas.openxmlformats.org/drawingml/2006/main" xmlns:r="http://schemas.openxmlformats.org/officeDocument/2006/relationships" xmlns:p="http://schemas.openxmlformats.org/presentationml/2006/main">
+  <p:cSld>
+    <p:spTree>
+      <p:nvGrpSpPr>
+        <p:cNvPr id="1" name=""/>
+        <p:cNvGrpSpPr/>
+        <p:nvPr/>
+      </p:nvGrpSpPr>
+      <p:grpSpPr>
+        <a:xfrm>
+          <a:off x="0" y="0"/>
+          <a:ext cx="0" cy="0"/>
+          <a:chOff x="0" y="0"/>
+          <a:chExt cx="0" cy="0"/>
+        </a:xfrm>
+      </p:grpSpPr>
+      <p:sp>
+        <p:nvSpPr>
+          <p:cNvPr id="5" name="Title 4">
+            <a:extLst>
+              <a:ext uri="{FF2B5EF4-FFF2-40B4-BE49-F238E27FC236}">
+                <a16:creationId xmlns:a16="http://schemas.microsoft.com/office/drawing/2014/main" id="{452D5C82-C117-D7BC-9798-AED6B87828AF}"/>
+              </a:ext>
+            </a:extLst>
+          </p:cNvPr>
+          <p:cNvSpPr>
+            <a:spLocks noGrp="1"/>
+          </p:cNvSpPr>
+          <p:nvPr>
+            <p:ph type="title"/>
+          </p:nvPr>
+        </p:nvSpPr>
+        <p:spPr>
+          <a:xfrm>
+            <a:off x="646111" y="452718"/>
+            <a:ext cx="9404723" cy="676286"/>
+          </a:xfrm>
+        </p:spPr>
+        <p:txBody>
+          <a:bodyPr/>
+          <a:lstStyle/>
+          <a:p>
+            <a:r>
+              <a:rPr lang="en-US" sz="3600" b="1" dirty="0"/>
+              <a:t>APPROACHES</a:t>
+            </a:r>
+            <a:endParaRPr lang="en-IN" sz="3600" b="1" dirty="0"/>
+          </a:p>
+        </p:txBody>
+      </p:sp>
+      <p:sp>
+        <p:nvSpPr>
+          <p:cNvPr id="6" name="Content Placeholder 5">
+            <a:extLst>
+              <a:ext uri="{FF2B5EF4-FFF2-40B4-BE49-F238E27FC236}">
+                <a16:creationId xmlns:a16="http://schemas.microsoft.com/office/drawing/2014/main" id="{840F44EF-A107-18C7-FD35-6B2E6874FBFB}"/>
+              </a:ext>
+            </a:extLst>
+          </p:cNvPr>
+          <p:cNvSpPr>
+            <a:spLocks noGrp="1"/>
+          </p:cNvSpPr>
+          <p:nvPr>
+            <p:ph idx="1"/>
+          </p:nvPr>
+        </p:nvSpPr>
+        <p:spPr>
+          <a:xfrm>
+            <a:off x="645130" y="1129004"/>
+            <a:ext cx="10234364" cy="5663682"/>
+          </a:xfrm>
+        </p:spPr>
+        <p:txBody>
+          <a:bodyPr>
+            <a:normAutofit fontScale="77500" lnSpcReduction="20000"/>
+          </a:bodyPr>
+          <a:lstStyle/>
+          <a:p>
+            <a:pPr algn="l">
+              <a:buFont typeface="+mj-lt"/>
+              <a:buAutoNum type="arabicPeriod"/>
+            </a:pPr>
+            <a:r>
+              <a:rPr lang="en-US" sz="2300" b="1" i="0" dirty="0">
+                <a:solidFill>
+                  <a:srgbClr val="FFC000"/>
+                </a:solidFill>
+                <a:effectLst/>
+                <a:latin typeface="Söhne"/>
+              </a:rPr>
+              <a:t>Understand Business Objectives:</a:t>
+            </a:r>
+            <a:endParaRPr lang="en-US" sz="2300" b="0" i="0" dirty="0">
+              <a:solidFill>
+                <a:srgbClr val="FFC000"/>
+              </a:solidFill>
+              <a:effectLst/>
+              <a:latin typeface="Söhne"/>
+            </a:endParaRPr>
+          </a:p>
+          <a:p>
+            <a:pPr marL="742950" lvl="1" indent="-285750" algn="l">
+              <a:buFont typeface="+mj-lt"/>
+              <a:buAutoNum type="arabicPeriod"/>
+            </a:pPr>
+            <a:r>
+              <a:rPr lang="en-US" sz="2300" b="0" i="0" dirty="0">
+                <a:solidFill>
+                  <a:srgbClr val="ECECEC"/>
+                </a:solidFill>
+                <a:effectLst/>
+                <a:latin typeface="Söhne"/>
+              </a:rPr>
+              <a:t>Start by understanding the overarching goals and objectives of the business or organization.</a:t>
+            </a:r>
+          </a:p>
+          <a:p>
+            <a:pPr marL="742950" lvl="1" indent="-285750" algn="l">
+              <a:buFont typeface="+mj-lt"/>
+              <a:buAutoNum type="arabicPeriod"/>
+            </a:pPr>
+            <a:r>
+              <a:rPr lang="en-US" sz="2300" b="0" i="0" dirty="0">
+                <a:solidFill>
+                  <a:srgbClr val="ECECEC"/>
+                </a:solidFill>
+                <a:effectLst/>
+                <a:latin typeface="Söhne"/>
+              </a:rPr>
+              <a:t>Identify specific challenges or areas where data-driven insights can provide value and support decision-making.</a:t>
+            </a:r>
+          </a:p>
+          <a:p>
+            <a:pPr algn="l">
+              <a:buFont typeface="+mj-lt"/>
+              <a:buAutoNum type="arabicPeriod"/>
+            </a:pPr>
+            <a:r>
+              <a:rPr lang="en-US" sz="2300" b="1" i="0" dirty="0">
+                <a:solidFill>
+                  <a:srgbClr val="FFC000"/>
+                </a:solidFill>
+                <a:effectLst/>
+                <a:latin typeface="Söhne"/>
+              </a:rPr>
+              <a:t>Data Collection and Preparation:</a:t>
+            </a:r>
+            <a:endParaRPr lang="en-US" sz="2300" b="0" i="0" dirty="0">
+              <a:solidFill>
+                <a:srgbClr val="FFC000"/>
+              </a:solidFill>
+              <a:effectLst/>
+              <a:latin typeface="Söhne"/>
+            </a:endParaRPr>
+          </a:p>
+          <a:p>
+            <a:pPr marL="742950" lvl="1" indent="-285750" algn="l">
+              <a:buFont typeface="+mj-lt"/>
+              <a:buAutoNum type="arabicPeriod"/>
+            </a:pPr>
+            <a:r>
+              <a:rPr lang="en-US" sz="2300" b="0" i="0" dirty="0">
+                <a:solidFill>
+                  <a:srgbClr val="ECECEC"/>
+                </a:solidFill>
+                <a:effectLst/>
+                <a:latin typeface="Söhne"/>
+              </a:rPr>
+              <a:t>Gather relevant datasets from various sources, ensuring data quality and completeness.</a:t>
+            </a:r>
+          </a:p>
+          <a:p>
+            <a:pPr marL="742950" lvl="1" indent="-285750" algn="l">
+              <a:buFont typeface="+mj-lt"/>
+              <a:buAutoNum type="arabicPeriod"/>
+            </a:pPr>
+            <a:r>
+              <a:rPr lang="en-US" sz="2300" b="0" i="0" dirty="0">
+                <a:solidFill>
+                  <a:srgbClr val="ECECEC"/>
+                </a:solidFill>
+                <a:effectLst/>
+                <a:latin typeface="Söhne"/>
+              </a:rPr>
+              <a:t>Preprocess the data by cleaning, transforming, and formatting it as needed for analysis.</a:t>
+            </a:r>
+          </a:p>
+          <a:p>
+            <a:pPr marL="742950" lvl="1" indent="-285750" algn="l">
+              <a:buFont typeface="+mj-lt"/>
+              <a:buAutoNum type="arabicPeriod"/>
+            </a:pPr>
+            <a:r>
+              <a:rPr lang="en-US" sz="2300" b="0" i="0" dirty="0">
+                <a:solidFill>
+                  <a:srgbClr val="ECECEC"/>
+                </a:solidFill>
+                <a:effectLst/>
+                <a:latin typeface="Söhne"/>
+              </a:rPr>
+              <a:t>Handle missing values, outliers, and other data inconsistencies to ensure data integrity.</a:t>
+            </a:r>
+          </a:p>
+          <a:p>
+            <a:pPr algn="l">
+              <a:buFont typeface="+mj-lt"/>
+              <a:buAutoNum type="arabicPeriod"/>
+            </a:pPr>
+            <a:r>
+              <a:rPr lang="en-US" sz="2300" b="1" i="0" dirty="0">
+                <a:solidFill>
+                  <a:srgbClr val="FFC000"/>
+                </a:solidFill>
+                <a:effectLst/>
+                <a:latin typeface="Söhne"/>
+              </a:rPr>
+              <a:t>Exploratory Data Analysis (EDA):</a:t>
+            </a:r>
+            <a:endParaRPr lang="en-US" sz="2300" b="0" i="0" dirty="0">
+              <a:solidFill>
+                <a:srgbClr val="FFC000"/>
+              </a:solidFill>
+              <a:effectLst/>
+              <a:latin typeface="Söhne"/>
+            </a:endParaRPr>
+          </a:p>
+          <a:p>
+            <a:pPr marL="742950" lvl="1" indent="-285750" algn="l">
+              <a:buFont typeface="+mj-lt"/>
+              <a:buAutoNum type="arabicPeriod"/>
+            </a:pPr>
+            <a:r>
+              <a:rPr lang="en-US" sz="2300" b="0" i="0" dirty="0">
+                <a:solidFill>
+                  <a:srgbClr val="ECECEC"/>
+                </a:solidFill>
+                <a:effectLst/>
+                <a:latin typeface="Söhne"/>
+              </a:rPr>
+              <a:t>Conduct exploratory data analysis to gain initial insights into the dataset.</a:t>
+            </a:r>
+          </a:p>
+          <a:p>
+            <a:pPr marL="742950" lvl="1" indent="-285750" algn="l">
+              <a:buFont typeface="+mj-lt"/>
+              <a:buAutoNum type="arabicPeriod"/>
+            </a:pPr>
+            <a:r>
+              <a:rPr lang="en-US" sz="2300" b="0" i="0" dirty="0">
+                <a:solidFill>
+                  <a:srgbClr val="ECECEC"/>
+                </a:solidFill>
+                <a:effectLst/>
+                <a:latin typeface="Söhne"/>
+              </a:rPr>
+              <a:t>Visualize the data using charts, graphs, and descriptive statistics to identify patterns, trends, and relationships.</a:t>
+            </a:r>
+          </a:p>
+          <a:p>
+            <a:pPr marL="742950" lvl="1" indent="-285750" algn="l">
+              <a:buFont typeface="+mj-lt"/>
+              <a:buAutoNum type="arabicPeriod"/>
+            </a:pPr>
+            <a:r>
+              <a:rPr lang="en-US" sz="2300" b="0" i="0" dirty="0">
+                <a:solidFill>
+                  <a:srgbClr val="ECECEC"/>
+                </a:solidFill>
+                <a:effectLst/>
+                <a:latin typeface="Söhne"/>
+              </a:rPr>
+              <a:t>Explore correlations between different variables and assess their impact on the business objectives.</a:t>
+            </a:r>
+          </a:p>
+          <a:p>
+            <a:pPr algn="l">
+              <a:buFont typeface="+mj-lt"/>
+              <a:buAutoNum type="arabicPeriod"/>
+            </a:pPr>
+            <a:r>
+              <a:rPr lang="en-US" sz="2300" b="1" i="0" dirty="0">
+                <a:solidFill>
+                  <a:srgbClr val="FFC000"/>
+                </a:solidFill>
+                <a:effectLst/>
+                <a:latin typeface="Söhne"/>
+              </a:rPr>
+              <a:t>Feature Engineering:</a:t>
+            </a:r>
+            <a:endParaRPr lang="en-US" sz="2300" b="0" i="0" dirty="0">
+              <a:solidFill>
+                <a:srgbClr val="FFC000"/>
+              </a:solidFill>
+              <a:effectLst/>
+              <a:latin typeface="Söhne"/>
+            </a:endParaRPr>
+          </a:p>
+          <a:p>
+            <a:pPr marL="742950" lvl="1" indent="-285750" algn="l">
+              <a:buFont typeface="+mj-lt"/>
+              <a:buAutoNum type="arabicPeriod"/>
+            </a:pPr>
+            <a:r>
+              <a:rPr lang="en-US" sz="2300" b="0" i="0" dirty="0">
+                <a:solidFill>
+                  <a:srgbClr val="ECECEC"/>
+                </a:solidFill>
+                <a:effectLst/>
+                <a:latin typeface="Söhne"/>
+              </a:rPr>
+              <a:t>Engineer new features or transform existing ones to enhance the predictive power of the dataset.</a:t>
+            </a:r>
+          </a:p>
+          <a:p>
+            <a:pPr marL="742950" lvl="1" indent="-285750" algn="l">
+              <a:buFont typeface="+mj-lt"/>
+              <a:buAutoNum type="arabicPeriod"/>
+            </a:pPr>
+            <a:r>
+              <a:rPr lang="en-US" sz="2300" dirty="0">
+                <a:solidFill>
+                  <a:srgbClr val="ECECEC"/>
+                </a:solidFill>
+                <a:latin typeface="Söhne"/>
+              </a:rPr>
+              <a:t>Dropped the un wanted features.</a:t>
+            </a:r>
+            <a:endParaRPr lang="en-US" sz="2300" b="0" i="0" dirty="0">
+              <a:solidFill>
+                <a:srgbClr val="ECECEC"/>
+              </a:solidFill>
+              <a:effectLst/>
+              <a:latin typeface="Söhne"/>
+            </a:endParaRPr>
+          </a:p>
+          <a:p>
+            <a:endParaRPr lang="en-IN" dirty="0"/>
+          </a:p>
+        </p:txBody>
+      </p:sp>
+    </p:spTree>
+    <p:extLst>
+      <p:ext uri="{BB962C8B-B14F-4D97-AF65-F5344CB8AC3E}">
+        <p14:creationId xmlns:p14="http://schemas.microsoft.com/office/powerpoint/2010/main" val="2382402391"/>
+      </p:ext>
+    </p:extLst>
+  </p:cSld>
+  <p:clrMapOvr>
+    <a:masterClrMapping/>
+  </p:clrMapOvr>
+</p:sld>
+</file>
+
+<file path=ppt/slides/slide5.xml><?xml version="1.0" encoding="utf-8"?>
+<p:sld xmlns:a="http://schemas.openxmlformats.org/drawingml/2006/main" xmlns:r="http://schemas.openxmlformats.org/officeDocument/2006/relationships" xmlns:p="http://schemas.openxmlformats.org/presentationml/2006/main">
+  <p:cSld>
+    <p:spTree>
+      <p:nvGrpSpPr>
+        <p:cNvPr id="1" name=""/>
+        <p:cNvGrpSpPr/>
+        <p:nvPr/>
+      </p:nvGrpSpPr>
+      <p:grpSpPr>
+        <a:xfrm>
+          <a:off x="0" y="0"/>
+          <a:ext cx="0" cy="0"/>
+          <a:chOff x="0" y="0"/>
+          <a:chExt cx="0" cy="0"/>
+        </a:xfrm>
+      </p:grpSpPr>
+      <p:sp>
+        <p:nvSpPr>
           <p:cNvPr id="2" name="Title 1">
             <a:extLst>
               <a:ext uri="{FF2B5EF4-FFF2-40B4-BE49-F238E27FC236}">
@@ -12021,7 +13484,7 @@
           <a:p>
             <a:r>
               <a:rPr lang="en-US" sz="2400" dirty="0"/>
-              <a:t>Exploring correlations between various attributes such as price, rating, and brand</a:t>
+              <a:t>Exploring correlations between various attributes such as price, rating, and brand.</a:t>
             </a:r>
             <a:endParaRPr lang="en-IN" sz="2400" dirty="0"/>
           </a:p>
@@ -12040,7 +13503,7 @@
 </p:sld>
 </file>
 
-<file path=ppt/slides/slide4.xml><?xml version="1.0" encoding="utf-8"?>
+<file path=ppt/slides/slide6.xml><?xml version="1.0" encoding="utf-8"?>
 <p:sld xmlns:a="http://schemas.openxmlformats.org/drawingml/2006/main" xmlns:r="http://schemas.openxmlformats.org/officeDocument/2006/relationships" xmlns:p="http://schemas.openxmlformats.org/presentationml/2006/main">
   <p:cSld>
     <p:spTree>
@@ -12085,6 +13548,7 @@
           </a:bodyPr>
           <a:lstStyle/>
           <a:p>
+            <a:pPr algn="ctr"/>
             <a:r>
               <a:rPr lang="en-US" sz="3600" b="1" dirty="0">
                 <a:latin typeface="+mj-lt"/>
@@ -12314,7 +13778,7 @@
 </p:sld>
 </file>
 
-<file path=ppt/slides/slide5.xml><?xml version="1.0" encoding="utf-8"?>
+<file path=ppt/slides/slide7.xml><?xml version="1.0" encoding="utf-8"?>
 <p:sld xmlns:a="http://schemas.openxmlformats.org/drawingml/2006/main" xmlns:r="http://schemas.openxmlformats.org/officeDocument/2006/relationships" xmlns:p="http://schemas.openxmlformats.org/presentationml/2006/main">
   <p:cSld>
     <p:spTree>
@@ -12948,7 +14412,7 @@
 </p:sld>
 </file>
 
-<file path=ppt/slides/slide6.xml><?xml version="1.0" encoding="utf-8"?>
+<file path=ppt/slides/slide8.xml><?xml version="1.0" encoding="utf-8"?>
 <p:sld xmlns:a="http://schemas.openxmlformats.org/drawingml/2006/main" xmlns:r="http://schemas.openxmlformats.org/officeDocument/2006/relationships" xmlns:p="http://schemas.openxmlformats.org/presentationml/2006/main">
   <p:cSld>
     <p:spTree>
@@ -13036,7 +14500,7 @@
           <a:p>
             <a:pPr algn="l"/>
             <a:r>
-              <a:rPr lang="en-US" sz="1400" b="1" i="0" dirty="0">
+              <a:rPr lang="en-US" sz="1600" b="1" i="0" dirty="0">
                 <a:solidFill>
                   <a:schemeClr val="accent3">
                     <a:lumMod val="60000"/>
@@ -13048,16 +14512,6 @@
               </a:rPr>
               <a:t>Insights:</a:t>
             </a:r>
-            <a:endParaRPr lang="en-US" sz="1400" b="0" i="0" dirty="0">
-              <a:solidFill>
-                <a:schemeClr val="accent3">
-                  <a:lumMod val="60000"/>
-                  <a:lumOff val="40000"/>
-                </a:schemeClr>
-              </a:solidFill>
-              <a:effectLst/>
-              <a:latin typeface="Söhne"/>
-            </a:endParaRPr>
           </a:p>
           <a:p>
             <a:pPr algn="l">
@@ -13230,7 +14684,7 @@
           <a:p>
             <a:pPr algn="l"/>
             <a:r>
-              <a:rPr lang="en-US" sz="1400" b="1" i="0" dirty="0">
+              <a:rPr lang="en-US" sz="1600" b="1" i="0" dirty="0">
                 <a:solidFill>
                   <a:schemeClr val="accent3">
                     <a:lumMod val="60000"/>
@@ -13242,7 +14696,7 @@
               </a:rPr>
               <a:t>Recommendations:</a:t>
             </a:r>
-            <a:endParaRPr lang="en-US" sz="1400" b="0" i="0" dirty="0">
+            <a:endParaRPr lang="en-US" sz="1600" b="0" i="0" dirty="0">
               <a:solidFill>
                 <a:schemeClr val="accent3">
                   <a:lumMod val="60000"/>
@@ -13428,7 +14882,7 @@
 </p:sld>
 </file>
 
-<file path=ppt/slides/slide7.xml><?xml version="1.0" encoding="utf-8"?>
+<file path=ppt/slides/slide9.xml><?xml version="1.0" encoding="utf-8"?>
 <p:sld xmlns:a="http://schemas.openxmlformats.org/drawingml/2006/main" xmlns:r="http://schemas.openxmlformats.org/officeDocument/2006/relationships" xmlns:p="http://schemas.openxmlformats.org/presentationml/2006/main">
   <p:cSld>
     <p:spTree>
@@ -13495,14 +14949,14 @@
             <p:ph idx="1"/>
             <p:extLst>
               <p:ext uri="{D42A27DB-BD31-4B8C-83A1-F6EECF244321}">
-                <p14:modId xmlns:p14="http://schemas.microsoft.com/office/powerpoint/2010/main" val="2883937678"/>
+                <p14:modId xmlns:p14="http://schemas.microsoft.com/office/powerpoint/2010/main" val="2540184405"/>
               </p:ext>
             </p:extLst>
           </p:nvPr>
         </p:nvGraphicFramePr>
         <p:xfrm>
-          <a:off x="6553200" y="804863"/>
-          <a:ext cx="3819525" cy="5467350"/>
+          <a:off x="6553199" y="804863"/>
+          <a:ext cx="4344955" cy="5467350"/>
         </p:xfrm>
         <a:graphic>
           <a:graphicData uri="http://schemas.openxmlformats.org/drawingml/2006/chart">
@@ -13768,896 +15222,6 @@
     <p:extLst>
       <p:ext uri="{BB962C8B-B14F-4D97-AF65-F5344CB8AC3E}">
         <p14:creationId xmlns:p14="http://schemas.microsoft.com/office/powerpoint/2010/main" val="2192368732"/>
-      </p:ext>
-    </p:extLst>
-  </p:cSld>
-  <p:clrMapOvr>
-    <a:masterClrMapping/>
-  </p:clrMapOvr>
-</p:sld>
-</file>
-
-<file path=ppt/slides/slide8.xml><?xml version="1.0" encoding="utf-8"?>
-<p:sld xmlns:a="http://schemas.openxmlformats.org/drawingml/2006/main" xmlns:r="http://schemas.openxmlformats.org/officeDocument/2006/relationships" xmlns:p="http://schemas.openxmlformats.org/presentationml/2006/main">
-  <p:cSld>
-    <p:spTree>
-      <p:nvGrpSpPr>
-        <p:cNvPr id="1" name=""/>
-        <p:cNvGrpSpPr/>
-        <p:nvPr/>
-      </p:nvGrpSpPr>
-      <p:grpSpPr>
-        <a:xfrm>
-          <a:off x="0" y="0"/>
-          <a:ext cx="0" cy="0"/>
-          <a:chOff x="0" y="0"/>
-          <a:chExt cx="0" cy="0"/>
-        </a:xfrm>
-      </p:grpSpPr>
-      <p:sp>
-        <p:nvSpPr>
-          <p:cNvPr id="8" name="Title 7">
-            <a:extLst>
-              <a:ext uri="{FF2B5EF4-FFF2-40B4-BE49-F238E27FC236}">
-                <a16:creationId xmlns:a16="http://schemas.microsoft.com/office/drawing/2014/main" id="{F5B5F5D9-27AD-C450-103F-609A9B2E309D}"/>
-              </a:ext>
-            </a:extLst>
-          </p:cNvPr>
-          <p:cNvSpPr>
-            <a:spLocks noGrp="1"/>
-          </p:cNvSpPr>
-          <p:nvPr>
-            <p:ph type="title"/>
-          </p:nvPr>
-        </p:nvSpPr>
-        <p:spPr>
-          <a:xfrm>
-            <a:off x="646111" y="133350"/>
-            <a:ext cx="9650413" cy="657225"/>
-          </a:xfrm>
-        </p:spPr>
-        <p:txBody>
-          <a:bodyPr/>
-          <a:lstStyle/>
-          <a:p>
-            <a:r>
-              <a:rPr lang="en-US" sz="3600" b="1" dirty="0"/>
-              <a:t>SELLERS THEIR RATINGS AND DISCOUNTS</a:t>
-            </a:r>
-            <a:endParaRPr lang="en-IN" sz="3600" b="1" dirty="0"/>
-          </a:p>
-        </p:txBody>
-      </p:sp>
-      <p:sp>
-        <p:nvSpPr>
-          <p:cNvPr id="14" name="TextBox 13">
-            <a:extLst>
-              <a:ext uri="{FF2B5EF4-FFF2-40B4-BE49-F238E27FC236}">
-                <a16:creationId xmlns:a16="http://schemas.microsoft.com/office/drawing/2014/main" id="{A0A73A9A-1253-AA4C-3CC1-F6105691B2C9}"/>
-              </a:ext>
-            </a:extLst>
-          </p:cNvPr>
-          <p:cNvSpPr txBox="1"/>
-          <p:nvPr/>
-        </p:nvSpPr>
-        <p:spPr>
-          <a:xfrm>
-            <a:off x="542925" y="4152900"/>
-            <a:ext cx="10487025" cy="2631490"/>
-          </a:xfrm>
-          <a:prstGeom prst="rect">
-            <a:avLst/>
-          </a:prstGeom>
-          <a:noFill/>
-        </p:spPr>
-        <p:txBody>
-          <a:bodyPr wrap="square" rtlCol="0">
-            <a:spAutoFit/>
-          </a:bodyPr>
-          <a:lstStyle/>
-          <a:p>
-            <a:r>
-              <a:rPr lang="en-US" sz="1500" dirty="0">
-                <a:latin typeface="Söhne"/>
-              </a:rPr>
-              <a:t>1. </a:t>
-            </a:r>
-            <a:r>
-              <a:rPr lang="en-US" sz="1500" b="1" dirty="0">
-                <a:solidFill>
-                  <a:schemeClr val="accent3">
-                    <a:lumMod val="60000"/>
-                    <a:lumOff val="40000"/>
-                  </a:schemeClr>
-                </a:solidFill>
-                <a:latin typeface="Söhne"/>
-              </a:rPr>
-              <a:t>Highly Rated Sellers</a:t>
-            </a:r>
-            <a:r>
-              <a:rPr lang="en-US" sz="1500" dirty="0">
-                <a:solidFill>
-                  <a:schemeClr val="accent3">
-                    <a:lumMod val="60000"/>
-                    <a:lumOff val="40000"/>
-                  </a:schemeClr>
-                </a:solidFill>
-                <a:latin typeface="Söhne"/>
-              </a:rPr>
-              <a:t>: </a:t>
-            </a:r>
-            <a:r>
-              <a:rPr lang="en-US" sz="1500" dirty="0" err="1">
-                <a:latin typeface="Söhne"/>
-              </a:rPr>
-              <a:t>VARTees</a:t>
-            </a:r>
-            <a:r>
-              <a:rPr lang="en-US" sz="1500" dirty="0">
-                <a:latin typeface="Söhne"/>
-              </a:rPr>
-              <a:t> and MILDIN showcase exceptional ratings, indicating superior customer satisfaction, while maintaining discounts of 63% and 56%, respectively.</a:t>
-            </a:r>
-          </a:p>
-          <a:p>
-            <a:endParaRPr lang="en-US" sz="1500" dirty="0">
-              <a:latin typeface="Söhne"/>
-            </a:endParaRPr>
-          </a:p>
-          <a:p>
-            <a:r>
-              <a:rPr lang="en-US" sz="1500" dirty="0">
-                <a:latin typeface="Söhne"/>
-              </a:rPr>
-              <a:t>2. </a:t>
-            </a:r>
-            <a:r>
-              <a:rPr lang="en-US" sz="1500" b="1" dirty="0">
-                <a:solidFill>
-                  <a:schemeClr val="accent3">
-                    <a:lumMod val="60000"/>
-                    <a:lumOff val="40000"/>
-                  </a:schemeClr>
-                </a:solidFill>
-                <a:latin typeface="Söhne"/>
-              </a:rPr>
-              <a:t>Discount Strategies</a:t>
-            </a:r>
-            <a:r>
-              <a:rPr lang="en-US" sz="1500" dirty="0">
-                <a:solidFill>
-                  <a:schemeClr val="accent3">
-                    <a:lumMod val="60000"/>
-                    <a:lumOff val="40000"/>
-                  </a:schemeClr>
-                </a:solidFill>
-                <a:latin typeface="Söhne"/>
-              </a:rPr>
-              <a:t>:</a:t>
-            </a:r>
-            <a:r>
-              <a:rPr lang="en-US" sz="1500" dirty="0">
-                <a:latin typeface="Söhne"/>
-              </a:rPr>
-              <a:t> </a:t>
-            </a:r>
-            <a:r>
-              <a:rPr lang="en-US" sz="1500" dirty="0" err="1">
-                <a:latin typeface="Söhne"/>
-              </a:rPr>
-              <a:t>PixFab's</a:t>
-            </a:r>
-            <a:r>
-              <a:rPr lang="en-US" sz="1500" dirty="0">
-                <a:latin typeface="Söhne"/>
-              </a:rPr>
-              <a:t> substantial discount of 76% highlights an effective strategy to attract price-conscious customers, influencing purchasing decisions.</a:t>
-            </a:r>
-          </a:p>
-          <a:p>
-            <a:endParaRPr lang="en-US" sz="1500" dirty="0">
-              <a:latin typeface="Söhne"/>
-            </a:endParaRPr>
-          </a:p>
-          <a:p>
-            <a:r>
-              <a:rPr lang="en-US" sz="1500" dirty="0">
-                <a:latin typeface="Söhne"/>
-              </a:rPr>
-              <a:t>3. </a:t>
-            </a:r>
-            <a:r>
-              <a:rPr lang="en-US" sz="1500" b="1" dirty="0">
-                <a:solidFill>
-                  <a:schemeClr val="accent3">
-                    <a:lumMod val="60000"/>
-                    <a:lumOff val="40000"/>
-                  </a:schemeClr>
-                </a:solidFill>
-                <a:latin typeface="Söhne"/>
-              </a:rPr>
-              <a:t>Competitive Pricing and Ratings</a:t>
-            </a:r>
-            <a:r>
-              <a:rPr lang="en-US" sz="1500" dirty="0">
-                <a:solidFill>
-                  <a:schemeClr val="accent3">
-                    <a:lumMod val="60000"/>
-                    <a:lumOff val="40000"/>
-                  </a:schemeClr>
-                </a:solidFill>
-                <a:latin typeface="Söhne"/>
-              </a:rPr>
-              <a:t>:</a:t>
-            </a:r>
-            <a:r>
-              <a:rPr lang="en-US" sz="1500" dirty="0">
-                <a:latin typeface="Söhne"/>
-              </a:rPr>
-              <a:t> Paramount E-Commerce3.4 and VIRAJ INTERNATIONAL strike a balance with a 4.4 rating, coupled with moderate discounts, reflecting competitive pricing strategies.</a:t>
-            </a:r>
-          </a:p>
-          <a:p>
-            <a:endParaRPr lang="en-US" sz="1500" dirty="0">
-              <a:latin typeface="Söhne"/>
-            </a:endParaRPr>
-          </a:p>
-          <a:p>
-            <a:r>
-              <a:rPr lang="en-US" sz="1500" dirty="0">
-                <a:latin typeface="Söhne"/>
-              </a:rPr>
-              <a:t>4. </a:t>
-            </a:r>
-            <a:r>
-              <a:rPr lang="en-US" sz="1500" b="1" dirty="0">
-                <a:solidFill>
-                  <a:schemeClr val="accent3">
-                    <a:lumMod val="60000"/>
-                    <a:lumOff val="40000"/>
-                  </a:schemeClr>
-                </a:solidFill>
-                <a:latin typeface="Söhne"/>
-              </a:rPr>
-              <a:t>Consistency in Customer Satisfaction:</a:t>
-            </a:r>
-            <a:r>
-              <a:rPr lang="en-US" sz="1500" dirty="0">
-                <a:solidFill>
-                  <a:schemeClr val="accent3">
-                    <a:lumMod val="60000"/>
-                    <a:lumOff val="40000"/>
-                  </a:schemeClr>
-                </a:solidFill>
-                <a:latin typeface="Söhne"/>
-              </a:rPr>
-              <a:t> </a:t>
-            </a:r>
-            <a:r>
-              <a:rPr lang="en-US" sz="1500" dirty="0">
-                <a:latin typeface="Söhne"/>
-              </a:rPr>
-              <a:t>ONEIRO CONCEPTS and DEEPA FASHION maintain high ratings above 4.3, alongside consistent discounts, signaling a commitment to product quality and customer satisfaction.</a:t>
-            </a:r>
-            <a:endParaRPr lang="en-IN" sz="1500" dirty="0">
-              <a:latin typeface="Söhne"/>
-            </a:endParaRPr>
-          </a:p>
-        </p:txBody>
-      </p:sp>
-      <p:pic>
-        <p:nvPicPr>
-          <p:cNvPr id="5" name="Content Placeholder 4">
-            <a:extLst>
-              <a:ext uri="{FF2B5EF4-FFF2-40B4-BE49-F238E27FC236}">
-                <a16:creationId xmlns:a16="http://schemas.microsoft.com/office/drawing/2014/main" id="{FC9963FC-178C-F495-07F8-71D46E28BBBA}"/>
-              </a:ext>
-            </a:extLst>
-          </p:cNvPr>
-          <p:cNvPicPr>
-            <a:picLocks noGrp="1" noChangeAspect="1"/>
-          </p:cNvPicPr>
-          <p:nvPr>
-            <p:ph sz="half" idx="2"/>
-          </p:nvPr>
-        </p:nvPicPr>
-        <p:blipFill>
-          <a:blip r:embed="rId2"/>
-          <a:stretch>
-            <a:fillRect/>
-          </a:stretch>
-        </p:blipFill>
-        <p:spPr>
-          <a:xfrm>
-            <a:off x="646110" y="858838"/>
-            <a:ext cx="9650413" cy="2994025"/>
-          </a:xfrm>
-        </p:spPr>
-      </p:pic>
-    </p:spTree>
-    <p:extLst>
-      <p:ext uri="{BB962C8B-B14F-4D97-AF65-F5344CB8AC3E}">
-        <p14:creationId xmlns:p14="http://schemas.microsoft.com/office/powerpoint/2010/main" val="191559119"/>
-      </p:ext>
-    </p:extLst>
-  </p:cSld>
-  <p:clrMapOvr>
-    <a:masterClrMapping/>
-  </p:clrMapOvr>
-</p:sld>
-</file>
-
-<file path=ppt/slides/slide9.xml><?xml version="1.0" encoding="utf-8"?>
-<p:sld xmlns:a="http://schemas.openxmlformats.org/drawingml/2006/main" xmlns:r="http://schemas.openxmlformats.org/officeDocument/2006/relationships" xmlns:p="http://schemas.openxmlformats.org/presentationml/2006/main">
-  <p:cSld>
-    <p:spTree>
-      <p:nvGrpSpPr>
-        <p:cNvPr id="1" name=""/>
-        <p:cNvGrpSpPr/>
-        <p:nvPr/>
-      </p:nvGrpSpPr>
-      <p:grpSpPr>
-        <a:xfrm>
-          <a:off x="0" y="0"/>
-          <a:ext cx="0" cy="0"/>
-          <a:chOff x="0" y="0"/>
-          <a:chExt cx="0" cy="0"/>
-        </a:xfrm>
-      </p:grpSpPr>
-      <p:sp>
-        <p:nvSpPr>
-          <p:cNvPr id="2" name="Title 1">
-            <a:extLst>
-              <a:ext uri="{FF2B5EF4-FFF2-40B4-BE49-F238E27FC236}">
-                <a16:creationId xmlns:a16="http://schemas.microsoft.com/office/drawing/2014/main" id="{C2B2EAE7-C532-4BC9-BA89-00610CB0F45F}"/>
-              </a:ext>
-            </a:extLst>
-          </p:cNvPr>
-          <p:cNvSpPr>
-            <a:spLocks noGrp="1"/>
-          </p:cNvSpPr>
-          <p:nvPr>
-            <p:ph type="title"/>
-          </p:nvPr>
-        </p:nvSpPr>
-        <p:spPr>
-          <a:xfrm>
-            <a:off x="646111" y="452718"/>
-            <a:ext cx="9404723" cy="648294"/>
-          </a:xfrm>
-        </p:spPr>
-        <p:txBody>
-          <a:bodyPr/>
-          <a:lstStyle/>
-          <a:p>
-            <a:r>
-              <a:rPr lang="en-US" sz="3600" b="1" dirty="0"/>
-              <a:t>TOP 10 BRANDS</a:t>
-            </a:r>
-            <a:endParaRPr lang="en-IN" sz="3600" b="1" dirty="0"/>
-          </a:p>
-        </p:txBody>
-      </p:sp>
-      <p:sp>
-        <p:nvSpPr>
-          <p:cNvPr id="4" name="Content Placeholder 3">
-            <a:extLst>
-              <a:ext uri="{FF2B5EF4-FFF2-40B4-BE49-F238E27FC236}">
-                <a16:creationId xmlns:a16="http://schemas.microsoft.com/office/drawing/2014/main" id="{FD87C067-25FB-8AE6-771D-75FFA50EE7A2}"/>
-              </a:ext>
-            </a:extLst>
-          </p:cNvPr>
-          <p:cNvSpPr>
-            <a:spLocks noGrp="1"/>
-          </p:cNvSpPr>
-          <p:nvPr>
-            <p:ph sz="half" idx="2"/>
-          </p:nvPr>
-        </p:nvSpPr>
-        <p:spPr>
-          <a:xfrm>
-            <a:off x="4975938" y="1101012"/>
-            <a:ext cx="6911261" cy="5617028"/>
-          </a:xfrm>
-        </p:spPr>
-        <p:txBody>
-          <a:bodyPr>
-            <a:normAutofit fontScale="85000" lnSpcReduction="20000"/>
-          </a:bodyPr>
-          <a:lstStyle/>
-          <a:p>
-            <a:pPr algn="l"/>
-            <a:r>
-              <a:rPr lang="en-US" b="1" i="0" dirty="0">
-                <a:solidFill>
-                  <a:schemeClr val="accent3">
-                    <a:lumMod val="60000"/>
-                    <a:lumOff val="40000"/>
-                  </a:schemeClr>
-                </a:solidFill>
-                <a:effectLst/>
-                <a:latin typeface="Söhne"/>
-              </a:rPr>
-              <a:t>Insights:</a:t>
-            </a:r>
-            <a:endParaRPr lang="en-US" b="0" i="0" dirty="0">
-              <a:solidFill>
-                <a:schemeClr val="accent3">
-                  <a:lumMod val="60000"/>
-                  <a:lumOff val="40000"/>
-                </a:schemeClr>
-              </a:solidFill>
-              <a:effectLst/>
-              <a:latin typeface="Söhne"/>
-            </a:endParaRPr>
-          </a:p>
-          <a:p>
-            <a:pPr algn="l">
-              <a:buFont typeface="+mj-lt"/>
-              <a:buAutoNum type="arabicPeriod"/>
-            </a:pPr>
-            <a:r>
-              <a:rPr lang="en-US" b="1" i="0" dirty="0">
-                <a:solidFill>
-                  <a:schemeClr val="accent3">
-                    <a:lumMod val="60000"/>
-                    <a:lumOff val="40000"/>
-                  </a:schemeClr>
-                </a:solidFill>
-                <a:effectLst/>
-                <a:latin typeface="Söhne"/>
-              </a:rPr>
-              <a:t>REEBOK CLASSIC:</a:t>
-            </a:r>
-            <a:r>
-              <a:rPr lang="en-US" b="0" i="0" dirty="0">
-                <a:solidFill>
-                  <a:schemeClr val="accent3">
-                    <a:lumMod val="60000"/>
-                    <a:lumOff val="40000"/>
-                  </a:schemeClr>
-                </a:solidFill>
-                <a:effectLst/>
-                <a:latin typeface="Söhne"/>
-              </a:rPr>
-              <a:t> </a:t>
-            </a:r>
-            <a:r>
-              <a:rPr lang="en-US" b="0" i="0" dirty="0">
-                <a:solidFill>
-                  <a:srgbClr val="ECECEC"/>
-                </a:solidFill>
-                <a:effectLst/>
-                <a:latin typeface="Söhne"/>
-              </a:rPr>
-              <a:t>Priced at ₹2004.41 compared to an actual price of ₹3474.96, with a rating of 4.16, offering a balance of quality and affordability for customers.</a:t>
-            </a:r>
-          </a:p>
-          <a:p>
-            <a:pPr algn="l">
-              <a:buFont typeface="+mj-lt"/>
-              <a:buAutoNum type="arabicPeriod"/>
-            </a:pPr>
-            <a:r>
-              <a:rPr lang="en-US" b="1" i="0" dirty="0" err="1">
-                <a:solidFill>
-                  <a:schemeClr val="accent3">
-                    <a:lumMod val="60000"/>
-                    <a:lumOff val="40000"/>
-                  </a:schemeClr>
-                </a:solidFill>
-                <a:effectLst/>
-                <a:latin typeface="Söhne"/>
-              </a:rPr>
-              <a:t>Bofri</a:t>
-            </a:r>
-            <a:r>
-              <a:rPr lang="en-US" b="1" i="0" dirty="0">
-                <a:solidFill>
-                  <a:schemeClr val="accent3">
-                    <a:lumMod val="60000"/>
-                    <a:lumOff val="40000"/>
-                  </a:schemeClr>
-                </a:solidFill>
-                <a:effectLst/>
-                <a:latin typeface="Söhne"/>
-              </a:rPr>
-              <a:t>:</a:t>
-            </a:r>
-            <a:r>
-              <a:rPr lang="en-US" b="0" i="0" dirty="0">
-                <a:solidFill>
-                  <a:schemeClr val="accent3">
-                    <a:lumMod val="60000"/>
-                    <a:lumOff val="40000"/>
-                  </a:schemeClr>
-                </a:solidFill>
-                <a:effectLst/>
-                <a:latin typeface="Söhne"/>
-              </a:rPr>
-              <a:t> </a:t>
-            </a:r>
-            <a:r>
-              <a:rPr lang="en-US" b="0" i="0" dirty="0">
-                <a:solidFill>
-                  <a:srgbClr val="ECECEC"/>
-                </a:solidFill>
-                <a:effectLst/>
-                <a:latin typeface="Söhne"/>
-              </a:rPr>
-              <a:t>Providing products at ₹1264.50 compared to ₹2424.00, with a rating of 4.15, making it an attractive option for budget-conscious consumers.</a:t>
-            </a:r>
-          </a:p>
-          <a:p>
-            <a:pPr algn="l">
-              <a:buFont typeface="+mj-lt"/>
-              <a:buAutoNum type="arabicPeriod"/>
-            </a:pPr>
-            <a:r>
-              <a:rPr lang="en-US" b="1" i="0" dirty="0">
-                <a:solidFill>
-                  <a:schemeClr val="accent3">
-                    <a:lumMod val="60000"/>
-                    <a:lumOff val="40000"/>
-                  </a:schemeClr>
-                </a:solidFill>
-                <a:effectLst/>
-                <a:latin typeface="Söhne"/>
-              </a:rPr>
-              <a:t>U.S. Polo Association:</a:t>
-            </a:r>
-            <a:r>
-              <a:rPr lang="en-US" b="0" i="0" dirty="0">
-                <a:solidFill>
-                  <a:schemeClr val="accent3">
-                    <a:lumMod val="60000"/>
-                    <a:lumOff val="40000"/>
-                  </a:schemeClr>
-                </a:solidFill>
-                <a:effectLst/>
-                <a:latin typeface="Söhne"/>
-              </a:rPr>
-              <a:t> </a:t>
-            </a:r>
-            <a:r>
-              <a:rPr lang="en-US" b="0" i="0" dirty="0">
-                <a:solidFill>
-                  <a:srgbClr val="ECECEC"/>
-                </a:solidFill>
-                <a:effectLst/>
-                <a:latin typeface="Söhne"/>
-              </a:rPr>
-              <a:t>With a rating of 4.11, the brand offers products at ₹1047.10, providing customers with quality items at an affordable price point.</a:t>
-            </a:r>
-          </a:p>
-          <a:p>
-            <a:pPr algn="l">
-              <a:buFont typeface="+mj-lt"/>
-              <a:buAutoNum type="arabicPeriod"/>
-            </a:pPr>
-            <a:r>
-              <a:rPr lang="en-US" b="1" i="0" dirty="0">
-                <a:solidFill>
-                  <a:schemeClr val="accent3">
-                    <a:lumMod val="60000"/>
-                    <a:lumOff val="40000"/>
-                  </a:schemeClr>
-                </a:solidFill>
-                <a:effectLst/>
-                <a:latin typeface="Söhne"/>
-              </a:rPr>
-              <a:t>INTER CREATI:</a:t>
-            </a:r>
-            <a:r>
-              <a:rPr lang="en-US" b="0" i="0" dirty="0">
-                <a:solidFill>
-                  <a:schemeClr val="accent3">
-                    <a:lumMod val="60000"/>
-                    <a:lumOff val="40000"/>
-                  </a:schemeClr>
-                </a:solidFill>
-                <a:effectLst/>
-                <a:latin typeface="Söhne"/>
-              </a:rPr>
-              <a:t> </a:t>
-            </a:r>
-            <a:r>
-              <a:rPr lang="en-US" b="0" i="0" dirty="0">
-                <a:solidFill>
-                  <a:srgbClr val="ECECEC"/>
-                </a:solidFill>
-                <a:effectLst/>
-                <a:latin typeface="Söhne"/>
-              </a:rPr>
-              <a:t>Offering a discount, the brand sells products at ₹910.07 compared to ₹1641.14, with a rating of 4.13, appealing to customers seeking value for money.</a:t>
-            </a:r>
-          </a:p>
-          <a:p>
-            <a:pPr algn="l">
-              <a:buFont typeface="+mj-lt"/>
-              <a:buAutoNum type="arabicPeriod"/>
-            </a:pPr>
-            <a:r>
-              <a:rPr lang="en-US" b="1" i="0" dirty="0">
-                <a:solidFill>
-                  <a:schemeClr val="accent3">
-                    <a:lumMod val="60000"/>
-                    <a:lumOff val="40000"/>
-                  </a:schemeClr>
-                </a:solidFill>
-                <a:effectLst/>
-                <a:latin typeface="Söhne"/>
-              </a:rPr>
-              <a:t>Wet Off Ho:</a:t>
-            </a:r>
-            <a:r>
-              <a:rPr lang="en-US" b="0" i="0" dirty="0">
-                <a:solidFill>
-                  <a:schemeClr val="accent3">
-                    <a:lumMod val="60000"/>
-                    <a:lumOff val="40000"/>
-                  </a:schemeClr>
-                </a:solidFill>
-                <a:effectLst/>
-                <a:latin typeface="Söhne"/>
-              </a:rPr>
-              <a:t> </a:t>
-            </a:r>
-            <a:r>
-              <a:rPr lang="en-US" b="0" i="0" dirty="0">
-                <a:solidFill>
-                  <a:srgbClr val="ECECEC"/>
-                </a:solidFill>
-                <a:effectLst/>
-                <a:latin typeface="Söhne"/>
-              </a:rPr>
-              <a:t>Priced at ₹870.80 compared to ₹2870.20, with a rating of 4.14, showcasing a significant discount and favorable customer ratings.</a:t>
-            </a:r>
-          </a:p>
-          <a:p>
-            <a:pPr algn="l"/>
-            <a:r>
-              <a:rPr lang="en-US" b="1" i="0" dirty="0">
-                <a:solidFill>
-                  <a:schemeClr val="accent3">
-                    <a:lumMod val="60000"/>
-                    <a:lumOff val="40000"/>
-                  </a:schemeClr>
-                </a:solidFill>
-                <a:effectLst/>
-                <a:latin typeface="Söhne"/>
-              </a:rPr>
-              <a:t>Recommendations:</a:t>
-            </a:r>
-          </a:p>
-          <a:p>
-            <a:pPr algn="l">
-              <a:buFont typeface="Arial" panose="020B0604020202020204" pitchFamily="34" charset="0"/>
-              <a:buChar char="•"/>
-            </a:pPr>
-            <a:r>
-              <a:rPr lang="en-US" b="1" i="0" dirty="0">
-                <a:solidFill>
-                  <a:schemeClr val="accent3">
-                    <a:lumMod val="60000"/>
-                    <a:lumOff val="40000"/>
-                  </a:schemeClr>
-                </a:solidFill>
-                <a:effectLst/>
-                <a:latin typeface="Söhne"/>
-              </a:rPr>
-              <a:t>Promotional Strategies:</a:t>
-            </a:r>
-            <a:r>
-              <a:rPr lang="en-US" b="0" i="0" dirty="0">
-                <a:solidFill>
-                  <a:schemeClr val="accent3">
-                    <a:lumMod val="60000"/>
-                    <a:lumOff val="40000"/>
-                  </a:schemeClr>
-                </a:solidFill>
-                <a:effectLst/>
-                <a:latin typeface="Söhne"/>
-              </a:rPr>
-              <a:t> </a:t>
-            </a:r>
-            <a:r>
-              <a:rPr lang="en-US" b="0" i="0" dirty="0">
-                <a:solidFill>
-                  <a:srgbClr val="ECECEC"/>
-                </a:solidFill>
-                <a:effectLst/>
-                <a:latin typeface="Söhne"/>
-              </a:rPr>
-              <a:t>Highlight discounted products from popular brands like REEBOK CLASSI and </a:t>
-            </a:r>
-            <a:r>
-              <a:rPr lang="en-US" b="0" i="0" dirty="0" err="1">
-                <a:solidFill>
-                  <a:srgbClr val="ECECEC"/>
-                </a:solidFill>
-                <a:effectLst/>
-                <a:latin typeface="Söhne"/>
-              </a:rPr>
-              <a:t>Bofri</a:t>
-            </a:r>
-            <a:r>
-              <a:rPr lang="en-US" b="0" i="0" dirty="0">
-                <a:solidFill>
-                  <a:srgbClr val="ECECEC"/>
-                </a:solidFill>
-                <a:effectLst/>
-                <a:latin typeface="Söhne"/>
-              </a:rPr>
-              <a:t> in marketing campaigns to attract more customers.</a:t>
-            </a:r>
-          </a:p>
-          <a:p>
-            <a:pPr algn="l">
-              <a:buFont typeface="Arial" panose="020B0604020202020204" pitchFamily="34" charset="0"/>
-              <a:buChar char="•"/>
-            </a:pPr>
-            <a:r>
-              <a:rPr lang="en-US" b="1" i="0" dirty="0">
-                <a:solidFill>
-                  <a:schemeClr val="accent3">
-                    <a:lumMod val="60000"/>
-                    <a:lumOff val="40000"/>
-                  </a:schemeClr>
-                </a:solidFill>
-                <a:effectLst/>
-                <a:latin typeface="Söhne"/>
-              </a:rPr>
-              <a:t>Quality Assurance:</a:t>
-            </a:r>
-            <a:r>
-              <a:rPr lang="en-US" b="0" i="0" dirty="0">
-                <a:solidFill>
-                  <a:schemeClr val="accent3">
-                    <a:lumMod val="60000"/>
-                    <a:lumOff val="40000"/>
-                  </a:schemeClr>
-                </a:solidFill>
-                <a:effectLst/>
-                <a:latin typeface="Söhne"/>
-              </a:rPr>
-              <a:t> </a:t>
-            </a:r>
-            <a:r>
-              <a:rPr lang="en-US" b="0" i="0" dirty="0">
-                <a:solidFill>
-                  <a:srgbClr val="ECECEC"/>
-                </a:solidFill>
-                <a:effectLst/>
-                <a:latin typeface="Söhne"/>
-              </a:rPr>
-              <a:t>Ensure that discounted products maintain high quality standards to uphold customer satisfaction and brand reputation.</a:t>
-            </a:r>
-          </a:p>
-          <a:p>
-            <a:pPr algn="l">
-              <a:buFont typeface="Arial" panose="020B0604020202020204" pitchFamily="34" charset="0"/>
-              <a:buChar char="•"/>
-            </a:pPr>
-            <a:r>
-              <a:rPr lang="en-US" b="1" i="0" dirty="0">
-                <a:solidFill>
-                  <a:schemeClr val="accent3">
-                    <a:lumMod val="60000"/>
-                    <a:lumOff val="40000"/>
-                  </a:schemeClr>
-                </a:solidFill>
-                <a:effectLst/>
-                <a:latin typeface="Söhne"/>
-              </a:rPr>
-              <a:t>Competitive Pricing:</a:t>
-            </a:r>
-            <a:r>
-              <a:rPr lang="en-US" b="0" i="0" dirty="0">
-                <a:solidFill>
-                  <a:schemeClr val="accent3">
-                    <a:lumMod val="60000"/>
-                    <a:lumOff val="40000"/>
-                  </a:schemeClr>
-                </a:solidFill>
-                <a:effectLst/>
-                <a:latin typeface="Söhne"/>
-              </a:rPr>
-              <a:t> </a:t>
-            </a:r>
-            <a:r>
-              <a:rPr lang="en-US" b="0" i="0" dirty="0">
-                <a:solidFill>
-                  <a:srgbClr val="ECECEC"/>
-                </a:solidFill>
-                <a:effectLst/>
-                <a:latin typeface="Söhne"/>
-              </a:rPr>
-              <a:t>Continuously monitor competitor pricing strategies to adjust discounts and remain competitive in the market.</a:t>
-            </a:r>
-          </a:p>
-          <a:p>
-            <a:pPr algn="l">
-              <a:buFont typeface="Arial" panose="020B0604020202020204" pitchFamily="34" charset="0"/>
-              <a:buChar char="•"/>
-            </a:pPr>
-            <a:r>
-              <a:rPr lang="en-US" b="1" i="0" dirty="0">
-                <a:solidFill>
-                  <a:schemeClr val="accent3">
-                    <a:lumMod val="60000"/>
-                    <a:lumOff val="40000"/>
-                  </a:schemeClr>
-                </a:solidFill>
-                <a:effectLst/>
-                <a:latin typeface="Söhne"/>
-              </a:rPr>
-              <a:t>Customer Engagement:</a:t>
-            </a:r>
-            <a:r>
-              <a:rPr lang="en-US" b="0" i="0" dirty="0">
-                <a:solidFill>
-                  <a:schemeClr val="accent3">
-                    <a:lumMod val="60000"/>
-                    <a:lumOff val="40000"/>
-                  </a:schemeClr>
-                </a:solidFill>
-                <a:effectLst/>
-                <a:latin typeface="Söhne"/>
-              </a:rPr>
-              <a:t> </a:t>
-            </a:r>
-            <a:r>
-              <a:rPr lang="en-US" b="0" i="0" dirty="0">
-                <a:solidFill>
-                  <a:srgbClr val="ECECEC"/>
-                </a:solidFill>
-                <a:effectLst/>
-                <a:latin typeface="Söhne"/>
-              </a:rPr>
-              <a:t>Encourage customer feedback to understand their preferences better and tailor product offerings accordingly.</a:t>
-            </a:r>
-          </a:p>
-          <a:p>
-            <a:endParaRPr lang="en-IN" dirty="0"/>
-          </a:p>
-        </p:txBody>
-      </p:sp>
-      <p:graphicFrame>
-        <p:nvGraphicFramePr>
-          <p:cNvPr id="14" name="Content Placeholder 13">
-            <a:extLst>
-              <a:ext uri="{FF2B5EF4-FFF2-40B4-BE49-F238E27FC236}">
-                <a16:creationId xmlns:a16="http://schemas.microsoft.com/office/drawing/2014/main" id="{0E709AC2-BF57-5F2B-3EFA-5EF0B8EBD626}"/>
-              </a:ext>
-            </a:extLst>
-          </p:cNvPr>
-          <p:cNvGraphicFramePr>
-            <a:graphicFrameLocks noGrp="1"/>
-          </p:cNvGraphicFramePr>
-          <p:nvPr>
-            <p:ph sz="half" idx="1"/>
-            <p:extLst>
-              <p:ext uri="{D42A27DB-BD31-4B8C-83A1-F6EECF244321}">
-                <p14:modId xmlns:p14="http://schemas.microsoft.com/office/powerpoint/2010/main" val="4150220066"/>
-              </p:ext>
-            </p:extLst>
-          </p:nvPr>
-        </p:nvGraphicFramePr>
-        <p:xfrm>
-          <a:off x="646113" y="1306513"/>
-          <a:ext cx="4195762" cy="5098769"/>
-        </p:xfrm>
-        <a:graphic>
-          <a:graphicData uri="http://schemas.openxmlformats.org/drawingml/2006/chart">
-            <c:chart xmlns:c="http://schemas.openxmlformats.org/drawingml/2006/chart" xmlns:r="http://schemas.openxmlformats.org/officeDocument/2006/relationships" r:id="rId2"/>
-          </a:graphicData>
-        </a:graphic>
-      </p:graphicFrame>
-    </p:spTree>
-    <p:extLst>
-      <p:ext uri="{BB962C8B-B14F-4D97-AF65-F5344CB8AC3E}">
-        <p14:creationId xmlns:p14="http://schemas.microsoft.com/office/powerpoint/2010/main" val="3422997782"/>
       </p:ext>
     </p:extLst>
   </p:cSld>
